--- a/trivia 101 final presentation.pptx
+++ b/trivia 101 final presentation.pptx
@@ -2,7 +2,7 @@
 <file path=ppt/presentation.xml><?xml version="1.0" encoding="utf-8"?>
 <p:presentation xmlns:a="http://schemas.openxmlformats.org/drawingml/2006/main" xmlns:r="http://schemas.openxmlformats.org/officeDocument/2006/relationships" xmlns:p="http://schemas.openxmlformats.org/presentationml/2006/main" saveSubsetFonts="1" autoCompressPictures="0">
   <p:sldMasterIdLst>
-    <p:sldMasterId id="2147483714" r:id="rId4"/>
+    <p:sldMasterId id="2147483746" r:id="rId4"/>
   </p:sldMasterIdLst>
   <p:notesMasterIdLst>
     <p:notesMasterId r:id="rId13"/>
@@ -26,7 +26,7 @@
     <a:defPPr>
       <a:defRPr lang="en-US"/>
     </a:defPPr>
-    <a:lvl1pPr marL="0" algn="l" defTabSz="914400" rtl="0" eaLnBrk="1" latinLnBrk="0" hangingPunct="1">
+    <a:lvl1pPr marL="0" algn="l" defTabSz="457200" rtl="0" eaLnBrk="1" latinLnBrk="0" hangingPunct="1">
       <a:defRPr sz="1800" kern="1200">
         <a:solidFill>
           <a:schemeClr val="tx1"/>
@@ -36,7 +36,7 @@
         <a:cs typeface="+mn-cs"/>
       </a:defRPr>
     </a:lvl1pPr>
-    <a:lvl2pPr marL="457200" algn="l" defTabSz="914400" rtl="0" eaLnBrk="1" latinLnBrk="0" hangingPunct="1">
+    <a:lvl2pPr marL="457200" algn="l" defTabSz="457200" rtl="0" eaLnBrk="1" latinLnBrk="0" hangingPunct="1">
       <a:defRPr sz="1800" kern="1200">
         <a:solidFill>
           <a:schemeClr val="tx1"/>
@@ -46,7 +46,7 @@
         <a:cs typeface="+mn-cs"/>
       </a:defRPr>
     </a:lvl2pPr>
-    <a:lvl3pPr marL="914400" algn="l" defTabSz="914400" rtl="0" eaLnBrk="1" latinLnBrk="0" hangingPunct="1">
+    <a:lvl3pPr marL="914400" algn="l" defTabSz="457200" rtl="0" eaLnBrk="1" latinLnBrk="0" hangingPunct="1">
       <a:defRPr sz="1800" kern="1200">
         <a:solidFill>
           <a:schemeClr val="tx1"/>
@@ -56,7 +56,7 @@
         <a:cs typeface="+mn-cs"/>
       </a:defRPr>
     </a:lvl3pPr>
-    <a:lvl4pPr marL="1371600" algn="l" defTabSz="914400" rtl="0" eaLnBrk="1" latinLnBrk="0" hangingPunct="1">
+    <a:lvl4pPr marL="1371600" algn="l" defTabSz="457200" rtl="0" eaLnBrk="1" latinLnBrk="0" hangingPunct="1">
       <a:defRPr sz="1800" kern="1200">
         <a:solidFill>
           <a:schemeClr val="tx1"/>
@@ -66,7 +66,7 @@
         <a:cs typeface="+mn-cs"/>
       </a:defRPr>
     </a:lvl4pPr>
-    <a:lvl5pPr marL="1828800" algn="l" defTabSz="914400" rtl="0" eaLnBrk="1" latinLnBrk="0" hangingPunct="1">
+    <a:lvl5pPr marL="1828800" algn="l" defTabSz="457200" rtl="0" eaLnBrk="1" latinLnBrk="0" hangingPunct="1">
       <a:defRPr sz="1800" kern="1200">
         <a:solidFill>
           <a:schemeClr val="tx1"/>
@@ -76,7 +76,7 @@
         <a:cs typeface="+mn-cs"/>
       </a:defRPr>
     </a:lvl5pPr>
-    <a:lvl6pPr marL="2286000" algn="l" defTabSz="914400" rtl="0" eaLnBrk="1" latinLnBrk="0" hangingPunct="1">
+    <a:lvl6pPr marL="2286000" algn="l" defTabSz="457200" rtl="0" eaLnBrk="1" latinLnBrk="0" hangingPunct="1">
       <a:defRPr sz="1800" kern="1200">
         <a:solidFill>
           <a:schemeClr val="tx1"/>
@@ -86,7 +86,7 @@
         <a:cs typeface="+mn-cs"/>
       </a:defRPr>
     </a:lvl6pPr>
-    <a:lvl7pPr marL="2743200" algn="l" defTabSz="914400" rtl="0" eaLnBrk="1" latinLnBrk="0" hangingPunct="1">
+    <a:lvl7pPr marL="2743200" algn="l" defTabSz="457200" rtl="0" eaLnBrk="1" latinLnBrk="0" hangingPunct="1">
       <a:defRPr sz="1800" kern="1200">
         <a:solidFill>
           <a:schemeClr val="tx1"/>
@@ -96,7 +96,7 @@
         <a:cs typeface="+mn-cs"/>
       </a:defRPr>
     </a:lvl7pPr>
-    <a:lvl8pPr marL="3200400" algn="l" defTabSz="914400" rtl="0" eaLnBrk="1" latinLnBrk="0" hangingPunct="1">
+    <a:lvl8pPr marL="3200400" algn="l" defTabSz="457200" rtl="0" eaLnBrk="1" latinLnBrk="0" hangingPunct="1">
       <a:defRPr sz="1800" kern="1200">
         <a:solidFill>
           <a:schemeClr val="tx1"/>
@@ -106,7 +106,7 @@
         <a:cs typeface="+mn-cs"/>
       </a:defRPr>
     </a:lvl8pPr>
-    <a:lvl9pPr marL="3657600" algn="l" defTabSz="914400" rtl="0" eaLnBrk="1" latinLnBrk="0" hangingPunct="1">
+    <a:lvl9pPr marL="3657600" algn="l" defTabSz="457200" rtl="0" eaLnBrk="1" latinLnBrk="0" hangingPunct="1">
       <a:defRPr sz="1800" kern="1200">
         <a:solidFill>
           <a:schemeClr val="tx1"/>
@@ -359,7 +359,7 @@
           <a:p>
             <a:fld id="{D9D42D35-0463-4920-BEF7-2B88080E67A2}" type="datetimeFigureOut">
               <a:rPr lang="en-US" smtClean="0"/>
-              <a:t>10/31/2023</a:t>
+              <a:t>11/3/2023</a:t>
             </a:fld>
             <a:endParaRPr lang="en-US"/>
           </a:p>
@@ -662,6 +662,204 @@
 </p:notes>
 </file>
 
+<file path=ppt/notesSlides/notesSlide2.xml><?xml version="1.0" encoding="utf-8"?>
+<p:notes xmlns:a="http://schemas.openxmlformats.org/drawingml/2006/main" xmlns:r="http://schemas.openxmlformats.org/officeDocument/2006/relationships" xmlns:p="http://schemas.openxmlformats.org/presentationml/2006/main">
+  <p:cSld>
+    <p:spTree>
+      <p:nvGrpSpPr>
+        <p:cNvPr id="1" name=""/>
+        <p:cNvGrpSpPr/>
+        <p:nvPr/>
+      </p:nvGrpSpPr>
+      <p:grpSpPr>
+        <a:xfrm>
+          <a:off x="0" y="0"/>
+          <a:ext cx="0" cy="0"/>
+          <a:chOff x="0" y="0"/>
+          <a:chExt cx="0" cy="0"/>
+        </a:xfrm>
+      </p:grpSpPr>
+      <p:sp>
+        <p:nvSpPr>
+          <p:cNvPr id="2" name="Slide Image Placeholder 1"/>
+          <p:cNvSpPr>
+            <a:spLocks noGrp="1" noRot="1" noChangeAspect="1"/>
+          </p:cNvSpPr>
+          <p:nvPr>
+            <p:ph type="sldImg"/>
+          </p:nvPr>
+        </p:nvSpPr>
+        <p:spPr>
+          <a:xfrm>
+            <a:off x="-457200" y="3048000"/>
+            <a:ext cx="14630400" cy="8229600"/>
+          </a:xfrm>
+          <a:prstGeom prst="rect">
+            <a:avLst/>
+          </a:prstGeom>
+          <a:noFill/>
+          <a:ln w="12700">
+            <a:solidFill>
+              <a:prstClr val="black"/>
+            </a:solidFill>
+          </a:ln>
+        </p:spPr>
+      </p:sp>
+      <p:sp>
+        <p:nvSpPr>
+          <p:cNvPr id="3" name="Notes Placeholder 2"/>
+          <p:cNvSpPr>
+            <a:spLocks noGrp="1"/>
+          </p:cNvSpPr>
+          <p:nvPr>
+            <p:ph type="body" idx="1"/>
+          </p:nvPr>
+        </p:nvSpPr>
+        <p:spPr>
+          <a:xfrm>
+            <a:off x="1371600" y="11734800"/>
+            <a:ext cx="10972800" cy="9601200"/>
+          </a:xfrm>
+          <a:prstGeom prst="rect">
+            <a:avLst/>
+          </a:prstGeom>
+        </p:spPr>
+        <p:txBody>
+          <a:bodyPr/>
+          <a:lstStyle/>
+          <a:p>
+            <a:r>
+              <a:rPr lang="en-US" b="1" dirty="0"/>
+              <a:t>High-Level Design:</a:t>
+            </a:r>
+            <a:endParaRPr lang="en-US" dirty="0"/>
+          </a:p>
+          <a:p>
+            <a:pPr>
+              <a:buFont typeface="Arial" panose="020B0604020202020204" pitchFamily="34" charset="0"/>
+              <a:buChar char="•"/>
+            </a:pPr>
+            <a:r>
+              <a:rPr lang="en-US" dirty="0"/>
+              <a:t>The architecture outlines the overall structure of the application at a high level. It provides a conceptual view of how different components work together.</a:t>
+            </a:r>
+          </a:p>
+          <a:p>
+            <a:r>
+              <a:rPr lang="en-US" b="1" dirty="0"/>
+              <a:t>2. Frontend:</a:t>
+            </a:r>
+            <a:endParaRPr lang="en-US" dirty="0"/>
+          </a:p>
+          <a:p>
+            <a:pPr>
+              <a:buFont typeface="Arial" panose="020B0604020202020204" pitchFamily="34" charset="0"/>
+              <a:buChar char="•"/>
+            </a:pPr>
+            <a:r>
+              <a:rPr lang="en-US" dirty="0"/>
+              <a:t>The frontend of the application is built using HTML, CSS, and JavaScript. These technologies are used to create the user interface and handle user interactions.</a:t>
+            </a:r>
+          </a:p>
+          <a:p>
+            <a:pPr>
+              <a:buFont typeface="Arial" panose="020B0604020202020204" pitchFamily="34" charset="0"/>
+              <a:buChar char="•"/>
+            </a:pPr>
+            <a:r>
+              <a:rPr lang="en-US" dirty="0"/>
+              <a:t>Responsive design is implemented, making the application adapt well to different screen sizes and devices.</a:t>
+            </a:r>
+          </a:p>
+          <a:p>
+            <a:r>
+              <a:rPr lang="en-US" b="1" dirty="0"/>
+              <a:t>3. Backend (Future):</a:t>
+            </a:r>
+            <a:endParaRPr lang="en-US" dirty="0"/>
+          </a:p>
+          <a:p>
+            <a:pPr>
+              <a:buFont typeface="Arial" panose="020B0604020202020204" pitchFamily="34" charset="0"/>
+              <a:buChar char="•"/>
+            </a:pPr>
+            <a:r>
+              <a:rPr lang="en-US" dirty="0"/>
+              <a:t>Although the current version of the application is primarily a frontend web app, there is a plan to develop a backend in the future. This backend will handle server-side operations, data storage, and more.</a:t>
+            </a:r>
+          </a:p>
+          <a:p>
+            <a:r>
+              <a:rPr lang="en-US" b="1" dirty="0"/>
+              <a:t>4. User Interface:</a:t>
+            </a:r>
+            <a:endParaRPr lang="en-US" dirty="0"/>
+          </a:p>
+          <a:p>
+            <a:pPr>
+              <a:buFont typeface="Arial" panose="020B0604020202020204" pitchFamily="34" charset="0"/>
+              <a:buChar char="•"/>
+            </a:pPr>
+            <a:r>
+              <a:rPr lang="en-US" dirty="0"/>
+              <a:t>Basic security measures are implemented in the user interface to protect user data and ensure secure user interactions.</a:t>
+            </a:r>
+          </a:p>
+          <a:p>
+            <a:pPr>
+              <a:buFont typeface="Arial" panose="020B0604020202020204" pitchFamily="34" charset="0"/>
+              <a:buChar char="•"/>
+            </a:pPr>
+            <a:r>
+              <a:rPr lang="en-US" dirty="0"/>
+              <a:t>Ongoing development for advanced security implies a commitment to continuously improve the application's security measures.</a:t>
+            </a:r>
+          </a:p>
+          <a:p>
+            <a:r>
+              <a:rPr lang="en-US" b="1" dirty="0"/>
+              <a:t>5. Scalability:</a:t>
+            </a:r>
+            <a:endParaRPr lang="en-US" dirty="0"/>
+          </a:p>
+          <a:p>
+            <a:pPr>
+              <a:buFont typeface="Arial" panose="020B0604020202020204" pitchFamily="34" charset="0"/>
+              <a:buChar char="•"/>
+            </a:pPr>
+            <a:r>
+              <a:rPr lang="en-US" dirty="0"/>
+              <a:t>The application is prepared for potential scalability, which means it's designed to handle increased load and traffic efficiently.</a:t>
+            </a:r>
+          </a:p>
+          <a:p>
+            <a:pPr>
+              <a:buFont typeface="Arial" panose="020B0604020202020204" pitchFamily="34" charset="0"/>
+              <a:buChar char="•"/>
+            </a:pPr>
+            <a:r>
+              <a:rPr lang="en-US" dirty="0"/>
+              <a:t>There is a strategy in place to address increased traffic, ensuring that the application remains responsive and performs well as it grows.</a:t>
+            </a:r>
+          </a:p>
+          <a:p>
+            <a:endParaRPr lang="en-US" dirty="0"/>
+          </a:p>
+        </p:txBody>
+      </p:sp>
+    </p:spTree>
+    <p:extLst>
+      <p:ext uri="{BB962C8B-B14F-4D97-AF65-F5344CB8AC3E}">
+        <p14:creationId xmlns:p14="http://schemas.microsoft.com/office/powerpoint/2010/main" val="930164109"/>
+      </p:ext>
+    </p:extLst>
+  </p:cSld>
+  <p:clrMapOvr>
+    <a:masterClrMapping/>
+  </p:clrMapOvr>
+</p:notes>
+</file>
+
 <file path=ppt/slideLayouts/slideLayout1.xml><?xml version="1.0" encoding="utf-8"?>
 <p:sldLayout xmlns:a="http://schemas.openxmlformats.org/drawingml/2006/main" xmlns:r="http://schemas.openxmlformats.org/officeDocument/2006/relationships" xmlns:p="http://schemas.openxmlformats.org/presentationml/2006/main" type="title" preserve="1">
   <p:cSld name="Title Slide">
@@ -681,13 +879,49 @@
       </p:grpSpPr>
       <p:sp>
         <p:nvSpPr>
-          <p:cNvPr id="2" name="Title 1">
-            <a:extLst>
-              <a:ext uri="{FF2B5EF4-FFF2-40B4-BE49-F238E27FC236}">
-                <a16:creationId xmlns:a16="http://schemas.microsoft.com/office/drawing/2014/main" id="{AB8203E3-7907-6E86-D5F7-80CE6FEA2174}"/>
-              </a:ext>
-            </a:extLst>
-          </p:cNvPr>
+          <p:cNvPr id="7" name="Rectangle 6"/>
+          <p:cNvSpPr>
+            <a:spLocks noChangeAspect="1"/>
+          </p:cNvSpPr>
+          <p:nvPr/>
+        </p:nvSpPr>
+        <p:spPr>
+          <a:xfrm>
+            <a:off x="231140" y="243840"/>
+            <a:ext cx="11724640" cy="6377939"/>
+          </a:xfrm>
+          <a:prstGeom prst="rect">
+            <a:avLst/>
+          </a:prstGeom>
+          <a:solidFill>
+            <a:schemeClr val="accent1"/>
+          </a:solidFill>
+          <a:ln w="12700">
+            <a:solidFill>
+              <a:srgbClr val="FFFFFF"/>
+            </a:solidFill>
+          </a:ln>
+        </p:spPr>
+        <p:style>
+          <a:lnRef idx="2">
+            <a:schemeClr val="accent1">
+              <a:shade val="50000"/>
+            </a:schemeClr>
+          </a:lnRef>
+          <a:fillRef idx="1">
+            <a:schemeClr val="accent1"/>
+          </a:fillRef>
+          <a:effectRef idx="0">
+            <a:schemeClr val="accent1"/>
+          </a:effectRef>
+          <a:fontRef idx="minor">
+            <a:schemeClr val="lt1"/>
+          </a:fontRef>
+        </p:style>
+      </p:sp>
+      <p:sp>
+        <p:nvSpPr>
+          <p:cNvPr id="2" name="Title 1"/>
           <p:cNvSpPr>
             <a:spLocks noGrp="1"/>
           </p:cNvSpPr>
@@ -697,15 +931,24 @@
         </p:nvSpPr>
         <p:spPr>
           <a:xfrm>
-            <a:off x="1524000" y="1122363"/>
-            <a:ext cx="9144000" cy="2387600"/>
+            <a:off x="1109980" y="882376"/>
+            <a:ext cx="9966960" cy="2926080"/>
           </a:xfrm>
         </p:spPr>
         <p:txBody>
-          <a:bodyPr anchor="b"/>
+          <a:bodyPr anchor="b">
+            <a:normAutofit/>
+          </a:bodyPr>
           <a:lstStyle>
             <a:lvl1pPr algn="ctr">
-              <a:defRPr sz="6000"/>
+              <a:lnSpc>
+                <a:spcPct val="85000"/>
+              </a:lnSpc>
+              <a:defRPr sz="7200" b="1" cap="all" baseline="0">
+                <a:solidFill>
+                  <a:srgbClr val="FFFFFF"/>
+                </a:solidFill>
+              </a:defRPr>
             </a:lvl1pPr>
           </a:lstStyle>
           <a:p>
@@ -713,18 +956,13 @@
               <a:rPr lang="en-US"/>
               <a:t>Click to edit Master title style</a:t>
             </a:r>
+            <a:endParaRPr lang="en-US" dirty="0"/>
           </a:p>
         </p:txBody>
       </p:sp>
       <p:sp>
         <p:nvSpPr>
-          <p:cNvPr id="3" name="Subtitle 2">
-            <a:extLst>
-              <a:ext uri="{FF2B5EF4-FFF2-40B4-BE49-F238E27FC236}">
-                <a16:creationId xmlns:a16="http://schemas.microsoft.com/office/drawing/2014/main" id="{1989F2C2-4534-11CC-1421-096702C2C1BB}"/>
-              </a:ext>
-            </a:extLst>
-          </p:cNvPr>
+          <p:cNvPr id="3" name="Subtitle 2"/>
           <p:cNvSpPr>
             <a:spLocks noGrp="1"/>
           </p:cNvSpPr>
@@ -734,48 +972,54 @@
         </p:nvSpPr>
         <p:spPr>
           <a:xfrm>
-            <a:off x="1524000" y="3602038"/>
-            <a:ext cx="9144000" cy="1655762"/>
+            <a:off x="1709530" y="3869634"/>
+            <a:ext cx="8767860" cy="1388165"/>
           </a:xfrm>
         </p:spPr>
         <p:txBody>
-          <a:bodyPr/>
+          <a:bodyPr>
+            <a:normAutofit/>
+          </a:bodyPr>
           <a:lstStyle>
             <a:lvl1pPr marL="0" indent="0" algn="ctr">
               <a:buNone/>
-              <a:defRPr sz="2400"/>
+              <a:defRPr sz="2200">
+                <a:solidFill>
+                  <a:srgbClr val="FFFFFF"/>
+                </a:solidFill>
+              </a:defRPr>
             </a:lvl1pPr>
             <a:lvl2pPr marL="457200" indent="0" algn="ctr">
               <a:buNone/>
-              <a:defRPr sz="2000"/>
+              <a:defRPr sz="2200"/>
             </a:lvl2pPr>
             <a:lvl3pPr marL="914400" indent="0" algn="ctr">
               <a:buNone/>
-              <a:defRPr sz="1800"/>
+              <a:defRPr sz="2200"/>
             </a:lvl3pPr>
             <a:lvl4pPr marL="1371600" indent="0" algn="ctr">
               <a:buNone/>
-              <a:defRPr sz="1600"/>
+              <a:defRPr sz="2000"/>
             </a:lvl4pPr>
             <a:lvl5pPr marL="1828800" indent="0" algn="ctr">
               <a:buNone/>
-              <a:defRPr sz="1600"/>
+              <a:defRPr sz="2000"/>
             </a:lvl5pPr>
             <a:lvl6pPr marL="2286000" indent="0" algn="ctr">
               <a:buNone/>
-              <a:defRPr sz="1600"/>
+              <a:defRPr sz="2000"/>
             </a:lvl6pPr>
             <a:lvl7pPr marL="2743200" indent="0" algn="ctr">
               <a:buNone/>
-              <a:defRPr sz="1600"/>
+              <a:defRPr sz="2000"/>
             </a:lvl7pPr>
             <a:lvl8pPr marL="3200400" indent="0" algn="ctr">
               <a:buNone/>
-              <a:defRPr sz="1600"/>
+              <a:defRPr sz="2000"/>
             </a:lvl8pPr>
             <a:lvl9pPr marL="3657600" indent="0" algn="ctr">
               <a:buNone/>
-              <a:defRPr sz="1600"/>
+              <a:defRPr sz="2000"/>
             </a:lvl9pPr>
           </a:lstStyle>
           <a:p>
@@ -783,18 +1027,13 @@
               <a:rPr lang="en-US"/>
               <a:t>Click to edit Master subtitle style</a:t>
             </a:r>
+            <a:endParaRPr lang="en-US" dirty="0"/>
           </a:p>
         </p:txBody>
       </p:sp>
       <p:sp>
         <p:nvSpPr>
-          <p:cNvPr id="4" name="Date Placeholder 3">
-            <a:extLst>
-              <a:ext uri="{FF2B5EF4-FFF2-40B4-BE49-F238E27FC236}">
-                <a16:creationId xmlns:a16="http://schemas.microsoft.com/office/drawing/2014/main" id="{FCE786F7-6BCC-850E-BB84-6B462C75AA8B}"/>
-              </a:ext>
-            </a:extLst>
-          </p:cNvPr>
+          <p:cNvPr id="4" name="Date Placeholder 3"/>
           <p:cNvSpPr>
             <a:spLocks noGrp="1"/>
           </p:cNvSpPr>
@@ -805,11 +1044,19 @@
         <p:spPr/>
         <p:txBody>
           <a:bodyPr/>
-          <a:lstStyle/>
+          <a:lstStyle>
+            <a:lvl1pPr>
+              <a:defRPr>
+                <a:solidFill>
+                  <a:srgbClr val="FFFFFF"/>
+                </a:solidFill>
+              </a:defRPr>
+            </a:lvl1pPr>
+          </a:lstStyle>
           <a:p>
             <a:fld id="{48A87A34-81AB-432B-8DAE-1953F412C126}" type="datetimeFigureOut">
               <a:rPr lang="en-US" smtClean="0"/>
-              <a:t>10/30/2023</a:t>
+              <a:t>11/2/2023</a:t>
             </a:fld>
             <a:endParaRPr lang="en-US" dirty="0"/>
           </a:p>
@@ -817,13 +1064,7 @@
       </p:sp>
       <p:sp>
         <p:nvSpPr>
-          <p:cNvPr id="5" name="Footer Placeholder 4">
-            <a:extLst>
-              <a:ext uri="{FF2B5EF4-FFF2-40B4-BE49-F238E27FC236}">
-                <a16:creationId xmlns:a16="http://schemas.microsoft.com/office/drawing/2014/main" id="{6997005D-21AD-4629-67B9-C3128F42C4F3}"/>
-              </a:ext>
-            </a:extLst>
-          </p:cNvPr>
+          <p:cNvPr id="5" name="Footer Placeholder 4"/>
           <p:cNvSpPr>
             <a:spLocks noGrp="1"/>
           </p:cNvSpPr>
@@ -834,7 +1075,15 @@
         <p:spPr/>
         <p:txBody>
           <a:bodyPr/>
-          <a:lstStyle/>
+          <a:lstStyle>
+            <a:lvl1pPr>
+              <a:defRPr>
+                <a:solidFill>
+                  <a:srgbClr val="FFFFFF"/>
+                </a:solidFill>
+              </a:defRPr>
+            </a:lvl1pPr>
+          </a:lstStyle>
           <a:p>
             <a:endParaRPr lang="en-US" dirty="0"/>
           </a:p>
@@ -842,13 +1091,7 @@
       </p:sp>
       <p:sp>
         <p:nvSpPr>
-          <p:cNvPr id="6" name="Slide Number Placeholder 5">
-            <a:extLst>
-              <a:ext uri="{FF2B5EF4-FFF2-40B4-BE49-F238E27FC236}">
-                <a16:creationId xmlns:a16="http://schemas.microsoft.com/office/drawing/2014/main" id="{DD413FF1-458C-B015-BC83-C357A9657962}"/>
-              </a:ext>
-            </a:extLst>
-          </p:cNvPr>
+          <p:cNvPr id="6" name="Slide Number Placeholder 5"/>
           <p:cNvSpPr>
             <a:spLocks noGrp="1"/>
           </p:cNvSpPr>
@@ -859,7 +1102,15 @@
         <p:spPr/>
         <p:txBody>
           <a:bodyPr/>
-          <a:lstStyle/>
+          <a:lstStyle>
+            <a:lvl1pPr>
+              <a:defRPr>
+                <a:solidFill>
+                  <a:srgbClr val="FFFFFF"/>
+                </a:solidFill>
+              </a:defRPr>
+            </a:lvl1pPr>
+          </a:lstStyle>
           <a:p>
             <a:fld id="{6D22F896-40B5-4ADD-8801-0D06FADFA095}" type="slidenum">
               <a:rPr lang="en-US" smtClean="0"/>
@@ -869,12 +1120,47 @@
           </a:p>
         </p:txBody>
       </p:sp>
+      <p:cxnSp>
+        <p:nvCxnSpPr>
+          <p:cNvPr id="8" name="Straight Connector 7"/>
+          <p:cNvCxnSpPr/>
+          <p:nvPr/>
+        </p:nvCxnSpPr>
+        <p:spPr>
+          <a:xfrm>
+            <a:off x="1978660" y="3733800"/>
+            <a:ext cx="8229601" cy="0"/>
+          </a:xfrm>
+          <a:prstGeom prst="line">
+            <a:avLst/>
+          </a:prstGeom>
+          <a:ln>
+            <a:solidFill>
+              <a:srgbClr val="FFFFFF"/>
+            </a:solidFill>
+          </a:ln>
+        </p:spPr>
+        <p:style>
+          <a:lnRef idx="1">
+            <a:schemeClr val="accent1"/>
+          </a:lnRef>
+          <a:fillRef idx="0">
+            <a:schemeClr val="accent1"/>
+          </a:fillRef>
+          <a:effectRef idx="0">
+            <a:schemeClr val="accent1"/>
+          </a:effectRef>
+          <a:fontRef idx="minor">
+            <a:schemeClr val="tx1"/>
+          </a:fontRef>
+        </p:style>
+      </p:cxnSp>
       <p:sp>
         <p:nvSpPr>
-          <p:cNvPr id="7" name="Freeform: Shape 6">
+          <p:cNvPr id="9" name="Freeform: Shape 8">
             <a:extLst>
               <a:ext uri="{FF2B5EF4-FFF2-40B4-BE49-F238E27FC236}">
-                <a16:creationId xmlns:a16="http://schemas.microsoft.com/office/drawing/2014/main" id="{78F80AB1-E732-763A-AA0D-3B6460B059D1}"/>
+                <a16:creationId xmlns:a16="http://schemas.microsoft.com/office/drawing/2014/main" id="{9EAE13F2-F322-EB27-3ACB-7A25BF8428E5}"/>
               </a:ext>
               <a:ext uri="{C183D7F6-B498-43B3-948B-1728B52AA6E4}">
                 <adec:decorative xmlns:adec="http://schemas.microsoft.com/office/drawing/2017/decorative" val="1"/>
@@ -984,10 +1270,10 @@
       </p:sp>
       <p:sp>
         <p:nvSpPr>
-          <p:cNvPr id="8" name="Freeform: Shape 7">
+          <p:cNvPr id="10" name="Freeform: Shape 9">
             <a:extLst>
               <a:ext uri="{FF2B5EF4-FFF2-40B4-BE49-F238E27FC236}">
-                <a16:creationId xmlns:a16="http://schemas.microsoft.com/office/drawing/2014/main" id="{4F4FFBDD-56B5-164A-C531-D49D6948F70C}"/>
+                <a16:creationId xmlns:a16="http://schemas.microsoft.com/office/drawing/2014/main" id="{797F5617-F9FE-D391-0702-2A8F4C2599D6}"/>
               </a:ext>
               <a:ext uri="{C183D7F6-B498-43B3-948B-1728B52AA6E4}">
                 <adec:decorative xmlns:adec="http://schemas.microsoft.com/office/drawing/2017/decorative" val="1"/>
@@ -1092,7 +1378,7 @@
     </p:spTree>
     <p:extLst>
       <p:ext uri="{BB962C8B-B14F-4D97-AF65-F5344CB8AC3E}">
-        <p14:creationId xmlns:p14="http://schemas.microsoft.com/office/powerpoint/2010/main" val="3392406226"/>
+        <p14:creationId xmlns:p14="http://schemas.microsoft.com/office/powerpoint/2010/main" val="3151912139"/>
       </p:ext>
     </p:extLst>
   </p:cSld>
@@ -1121,13 +1407,7 @@
       </p:grpSpPr>
       <p:sp>
         <p:nvSpPr>
-          <p:cNvPr id="2" name="Title 1">
-            <a:extLst>
-              <a:ext uri="{FF2B5EF4-FFF2-40B4-BE49-F238E27FC236}">
-                <a16:creationId xmlns:a16="http://schemas.microsoft.com/office/drawing/2014/main" id="{C944B11D-F317-EBDE-2DD7-EE58717D0F38}"/>
-              </a:ext>
-            </a:extLst>
-          </p:cNvPr>
+          <p:cNvPr id="2" name="Title 1"/>
           <p:cNvSpPr>
             <a:spLocks noGrp="1"/>
           </p:cNvSpPr>
@@ -1144,18 +1424,13 @@
               <a:rPr lang="en-US"/>
               <a:t>Click to edit Master title style</a:t>
             </a:r>
+            <a:endParaRPr lang="en-US" dirty="0"/>
           </a:p>
         </p:txBody>
       </p:sp>
       <p:sp>
         <p:nvSpPr>
-          <p:cNvPr id="3" name="Vertical Text Placeholder 2">
-            <a:extLst>
-              <a:ext uri="{FF2B5EF4-FFF2-40B4-BE49-F238E27FC236}">
-                <a16:creationId xmlns:a16="http://schemas.microsoft.com/office/drawing/2014/main" id="{11EC9AE1-CB62-BFBB-F222-4678EDD3B300}"/>
-              </a:ext>
-            </a:extLst>
-          </p:cNvPr>
+          <p:cNvPr id="3" name="Vertical Text Placeholder 2"/>
           <p:cNvSpPr>
             <a:spLocks noGrp="1"/>
           </p:cNvSpPr>
@@ -1201,18 +1476,13 @@
               <a:rPr lang="en-US"/>
               <a:t>Fifth level</a:t>
             </a:r>
+            <a:endParaRPr lang="en-US" dirty="0"/>
           </a:p>
         </p:txBody>
       </p:sp>
       <p:sp>
         <p:nvSpPr>
-          <p:cNvPr id="4" name="Date Placeholder 3">
-            <a:extLst>
-              <a:ext uri="{FF2B5EF4-FFF2-40B4-BE49-F238E27FC236}">
-                <a16:creationId xmlns:a16="http://schemas.microsoft.com/office/drawing/2014/main" id="{0FBF008C-447D-6E92-5F5D-AE33DF425EA0}"/>
-              </a:ext>
-            </a:extLst>
-          </p:cNvPr>
+          <p:cNvPr id="4" name="Date Placeholder 3"/>
           <p:cNvSpPr>
             <a:spLocks noGrp="1"/>
           </p:cNvSpPr>
@@ -1227,7 +1497,7 @@
           <a:p>
             <a:fld id="{48A87A34-81AB-432B-8DAE-1953F412C126}" type="datetimeFigureOut">
               <a:rPr lang="en-US" smtClean="0"/>
-              <a:t>10/30/2023</a:t>
+              <a:t>11/2/2023</a:t>
             </a:fld>
             <a:endParaRPr lang="en-US" dirty="0"/>
           </a:p>
@@ -1235,13 +1505,7 @@
       </p:sp>
       <p:sp>
         <p:nvSpPr>
-          <p:cNvPr id="5" name="Footer Placeholder 4">
-            <a:extLst>
-              <a:ext uri="{FF2B5EF4-FFF2-40B4-BE49-F238E27FC236}">
-                <a16:creationId xmlns:a16="http://schemas.microsoft.com/office/drawing/2014/main" id="{D9D3BF77-D74A-E7B2-3E69-FFDC56F3780A}"/>
-              </a:ext>
-            </a:extLst>
-          </p:cNvPr>
+          <p:cNvPr id="5" name="Footer Placeholder 4"/>
           <p:cNvSpPr>
             <a:spLocks noGrp="1"/>
           </p:cNvSpPr>
@@ -1264,13 +1528,7 @@
       </p:sp>
       <p:sp>
         <p:nvSpPr>
-          <p:cNvPr id="6" name="Slide Number Placeholder 5">
-            <a:extLst>
-              <a:ext uri="{FF2B5EF4-FFF2-40B4-BE49-F238E27FC236}">
-                <a16:creationId xmlns:a16="http://schemas.microsoft.com/office/drawing/2014/main" id="{D3C0D3FE-E4E3-789E-836D-D57ADA0E8306}"/>
-              </a:ext>
-            </a:extLst>
-          </p:cNvPr>
+          <p:cNvPr id="6" name="Slide Number Placeholder 5"/>
           <p:cNvSpPr>
             <a:spLocks noGrp="1"/>
           </p:cNvSpPr>
@@ -1295,7 +1553,7 @@
     </p:spTree>
     <p:extLst>
       <p:ext uri="{BB962C8B-B14F-4D97-AF65-F5344CB8AC3E}">
-        <p14:creationId xmlns:p14="http://schemas.microsoft.com/office/powerpoint/2010/main" val="3432140866"/>
+        <p14:creationId xmlns:p14="http://schemas.microsoft.com/office/powerpoint/2010/main" val="1007195599"/>
       </p:ext>
     </p:extLst>
   </p:cSld>
@@ -1325,13 +1583,7 @@
       </p:grpSpPr>
       <p:sp>
         <p:nvSpPr>
-          <p:cNvPr id="2" name="Vertical Title 1">
-            <a:extLst>
-              <a:ext uri="{FF2B5EF4-FFF2-40B4-BE49-F238E27FC236}">
-                <a16:creationId xmlns:a16="http://schemas.microsoft.com/office/drawing/2014/main" id="{DE97BB08-E3CB-4D4D-7C59-921849A00CBF}"/>
-              </a:ext>
-            </a:extLst>
-          </p:cNvPr>
+          <p:cNvPr id="2" name="Vertical Title 1"/>
           <p:cNvSpPr>
             <a:spLocks noGrp="1"/>
           </p:cNvSpPr>
@@ -1341,8 +1593,8 @@
         </p:nvSpPr>
         <p:spPr>
           <a:xfrm>
-            <a:off x="8724900" y="365125"/>
-            <a:ext cx="2628900" cy="5811838"/>
+            <a:off x="8724900" y="762000"/>
+            <a:ext cx="2324100" cy="5410200"/>
           </a:xfrm>
         </p:spPr>
         <p:txBody>
@@ -1353,18 +1605,13 @@
               <a:rPr lang="en-US"/>
               <a:t>Click to edit Master title style</a:t>
             </a:r>
+            <a:endParaRPr lang="en-US" dirty="0"/>
           </a:p>
         </p:txBody>
       </p:sp>
       <p:sp>
         <p:nvSpPr>
-          <p:cNvPr id="3" name="Vertical Text Placeholder 2">
-            <a:extLst>
-              <a:ext uri="{FF2B5EF4-FFF2-40B4-BE49-F238E27FC236}">
-                <a16:creationId xmlns:a16="http://schemas.microsoft.com/office/drawing/2014/main" id="{4A317A83-BE4D-7AB3-61A9-7D7A1ABC2746}"/>
-              </a:ext>
-            </a:extLst>
-          </p:cNvPr>
+          <p:cNvPr id="3" name="Vertical Text Placeholder 2"/>
           <p:cNvSpPr>
             <a:spLocks noGrp="1"/>
           </p:cNvSpPr>
@@ -1374,8 +1621,8 @@
         </p:nvSpPr>
         <p:spPr>
           <a:xfrm>
-            <a:off x="838200" y="365125"/>
-            <a:ext cx="7734300" cy="5811838"/>
+            <a:off x="1143000" y="762000"/>
+            <a:ext cx="7429500" cy="5410200"/>
           </a:xfrm>
         </p:spPr>
         <p:txBody>
@@ -1415,18 +1662,13 @@
               <a:rPr lang="en-US"/>
               <a:t>Fifth level</a:t>
             </a:r>
+            <a:endParaRPr lang="en-US" dirty="0"/>
           </a:p>
         </p:txBody>
       </p:sp>
       <p:sp>
         <p:nvSpPr>
-          <p:cNvPr id="4" name="Date Placeholder 3">
-            <a:extLst>
-              <a:ext uri="{FF2B5EF4-FFF2-40B4-BE49-F238E27FC236}">
-                <a16:creationId xmlns:a16="http://schemas.microsoft.com/office/drawing/2014/main" id="{A82D35A0-5D29-85E0-30B8-187CB5EE5FF8}"/>
-              </a:ext>
-            </a:extLst>
-          </p:cNvPr>
+          <p:cNvPr id="4" name="Date Placeholder 3"/>
           <p:cNvSpPr>
             <a:spLocks noGrp="1"/>
           </p:cNvSpPr>
@@ -1441,7 +1683,7 @@
           <a:p>
             <a:fld id="{48A87A34-81AB-432B-8DAE-1953F412C126}" type="datetimeFigureOut">
               <a:rPr lang="en-US" smtClean="0"/>
-              <a:t>10/30/2023</a:t>
+              <a:t>11/2/2023</a:t>
             </a:fld>
             <a:endParaRPr lang="en-US" dirty="0"/>
           </a:p>
@@ -1449,13 +1691,7 @@
       </p:sp>
       <p:sp>
         <p:nvSpPr>
-          <p:cNvPr id="5" name="Footer Placeholder 4">
-            <a:extLst>
-              <a:ext uri="{FF2B5EF4-FFF2-40B4-BE49-F238E27FC236}">
-                <a16:creationId xmlns:a16="http://schemas.microsoft.com/office/drawing/2014/main" id="{EA4F6FC1-430E-D6BF-A2BC-817BEEEE49D9}"/>
-              </a:ext>
-            </a:extLst>
-          </p:cNvPr>
+          <p:cNvPr id="5" name="Footer Placeholder 4"/>
           <p:cNvSpPr>
             <a:spLocks noGrp="1"/>
           </p:cNvSpPr>
@@ -1478,13 +1714,7 @@
       </p:sp>
       <p:sp>
         <p:nvSpPr>
-          <p:cNvPr id="6" name="Slide Number Placeholder 5">
-            <a:extLst>
-              <a:ext uri="{FF2B5EF4-FFF2-40B4-BE49-F238E27FC236}">
-                <a16:creationId xmlns:a16="http://schemas.microsoft.com/office/drawing/2014/main" id="{5D31E7BB-5A63-DA84-22DB-263CF60DB16E}"/>
-              </a:ext>
-            </a:extLst>
-          </p:cNvPr>
+          <p:cNvPr id="6" name="Slide Number Placeholder 5"/>
           <p:cNvSpPr>
             <a:spLocks noGrp="1"/>
           </p:cNvSpPr>
@@ -1509,7 +1739,7 @@
     </p:spTree>
     <p:extLst>
       <p:ext uri="{BB962C8B-B14F-4D97-AF65-F5344CB8AC3E}">
-        <p14:creationId xmlns:p14="http://schemas.microsoft.com/office/powerpoint/2010/main" val="3255148311"/>
+        <p14:creationId xmlns:p14="http://schemas.microsoft.com/office/powerpoint/2010/main" val="4110395152"/>
       </p:ext>
     </p:extLst>
   </p:cSld>
@@ -2150,7 +2380,7 @@
     </p:spTree>
     <p:extLst>
       <p:ext uri="{BB962C8B-B14F-4D97-AF65-F5344CB8AC3E}">
-        <p14:creationId xmlns:p14="http://schemas.microsoft.com/office/powerpoint/2010/main" val="2597623166"/>
+        <p14:creationId xmlns:p14="http://schemas.microsoft.com/office/powerpoint/2010/main" val="91304352"/>
       </p:ext>
     </p:extLst>
   </p:cSld>
@@ -3584,7 +3814,7 @@
     </p:spTree>
     <p:extLst>
       <p:ext uri="{BB962C8B-B14F-4D97-AF65-F5344CB8AC3E}">
-        <p14:creationId xmlns:p14="http://schemas.microsoft.com/office/powerpoint/2010/main" val="2027540044"/>
+        <p14:creationId xmlns:p14="http://schemas.microsoft.com/office/powerpoint/2010/main" val="1997330154"/>
       </p:ext>
     </p:extLst>
   </p:cSld>
@@ -5013,7 +5243,7 @@
     </p:spTree>
     <p:extLst>
       <p:ext uri="{BB962C8B-B14F-4D97-AF65-F5344CB8AC3E}">
-        <p14:creationId xmlns:p14="http://schemas.microsoft.com/office/powerpoint/2010/main" val="327863764"/>
+        <p14:creationId xmlns:p14="http://schemas.microsoft.com/office/powerpoint/2010/main" val="2313375766"/>
       </p:ext>
     </p:extLst>
   </p:cSld>
@@ -5793,7 +6023,7 @@
     </p:spTree>
     <p:extLst>
       <p:ext uri="{BB962C8B-B14F-4D97-AF65-F5344CB8AC3E}">
-        <p14:creationId xmlns:p14="http://schemas.microsoft.com/office/powerpoint/2010/main" val="215791080"/>
+        <p14:creationId xmlns:p14="http://schemas.microsoft.com/office/powerpoint/2010/main" val="119796099"/>
       </p:ext>
     </p:extLst>
   </p:cSld>
@@ -12668,13 +12898,7 @@
       </p:grpSpPr>
       <p:sp>
         <p:nvSpPr>
-          <p:cNvPr id="2" name="Title 1">
-            <a:extLst>
-              <a:ext uri="{FF2B5EF4-FFF2-40B4-BE49-F238E27FC236}">
-                <a16:creationId xmlns:a16="http://schemas.microsoft.com/office/drawing/2014/main" id="{A7C07EE6-84D7-1399-92C2-9FFE87FBA2FA}"/>
-              </a:ext>
-            </a:extLst>
-          </p:cNvPr>
+          <p:cNvPr id="2" name="Title 1"/>
           <p:cNvSpPr>
             <a:spLocks noGrp="1"/>
           </p:cNvSpPr>
@@ -12691,18 +12915,13 @@
               <a:rPr lang="en-US"/>
               <a:t>Click to edit Master title style</a:t>
             </a:r>
+            <a:endParaRPr lang="en-US" dirty="0"/>
           </a:p>
         </p:txBody>
       </p:sp>
       <p:sp>
         <p:nvSpPr>
-          <p:cNvPr id="3" name="Content Placeholder 2">
-            <a:extLst>
-              <a:ext uri="{FF2B5EF4-FFF2-40B4-BE49-F238E27FC236}">
-                <a16:creationId xmlns:a16="http://schemas.microsoft.com/office/drawing/2014/main" id="{CB93A8E8-B92A-F91B-4347-91B6E2BD7DD5}"/>
-              </a:ext>
-            </a:extLst>
-          </p:cNvPr>
+          <p:cNvPr id="3" name="Content Placeholder 2"/>
           <p:cNvSpPr>
             <a:spLocks noGrp="1"/>
           </p:cNvSpPr>
@@ -12748,18 +12967,13 @@
               <a:rPr lang="en-US"/>
               <a:t>Fifth level</a:t>
             </a:r>
+            <a:endParaRPr lang="en-US" dirty="0"/>
           </a:p>
         </p:txBody>
       </p:sp>
       <p:sp>
         <p:nvSpPr>
-          <p:cNvPr id="4" name="Date Placeholder 3">
-            <a:extLst>
-              <a:ext uri="{FF2B5EF4-FFF2-40B4-BE49-F238E27FC236}">
-                <a16:creationId xmlns:a16="http://schemas.microsoft.com/office/drawing/2014/main" id="{A356BECC-2AC5-5752-C07F-0584E8FC6DD7}"/>
-              </a:ext>
-            </a:extLst>
-          </p:cNvPr>
+          <p:cNvPr id="4" name="Date Placeholder 3"/>
           <p:cNvSpPr>
             <a:spLocks noGrp="1"/>
           </p:cNvSpPr>
@@ -12774,7 +12988,7 @@
           <a:p>
             <a:fld id="{48A87A34-81AB-432B-8DAE-1953F412C126}" type="datetimeFigureOut">
               <a:rPr lang="en-US" smtClean="0"/>
-              <a:t>10/30/2023</a:t>
+              <a:t>11/2/2023</a:t>
             </a:fld>
             <a:endParaRPr lang="en-US" dirty="0"/>
           </a:p>
@@ -12782,13 +12996,7 @@
       </p:sp>
       <p:sp>
         <p:nvSpPr>
-          <p:cNvPr id="5" name="Footer Placeholder 4">
-            <a:extLst>
-              <a:ext uri="{FF2B5EF4-FFF2-40B4-BE49-F238E27FC236}">
-                <a16:creationId xmlns:a16="http://schemas.microsoft.com/office/drawing/2014/main" id="{8B3121EC-4992-3411-1994-2925653F9D34}"/>
-              </a:ext>
-            </a:extLst>
-          </p:cNvPr>
+          <p:cNvPr id="5" name="Footer Placeholder 4"/>
           <p:cNvSpPr>
             <a:spLocks noGrp="1"/>
           </p:cNvSpPr>
@@ -12811,13 +13019,7 @@
       </p:sp>
       <p:sp>
         <p:nvSpPr>
-          <p:cNvPr id="6" name="Slide Number Placeholder 5">
-            <a:extLst>
-              <a:ext uri="{FF2B5EF4-FFF2-40B4-BE49-F238E27FC236}">
-                <a16:creationId xmlns:a16="http://schemas.microsoft.com/office/drawing/2014/main" id="{3AF70821-CC88-194E-0722-79F948AF1ABB}"/>
-              </a:ext>
-            </a:extLst>
-          </p:cNvPr>
+          <p:cNvPr id="6" name="Slide Number Placeholder 5"/>
           <p:cNvSpPr>
             <a:spLocks noGrp="1"/>
           </p:cNvSpPr>
@@ -12842,7 +13044,7 @@
     </p:spTree>
     <p:extLst>
       <p:ext uri="{BB962C8B-B14F-4D97-AF65-F5344CB8AC3E}">
-        <p14:creationId xmlns:p14="http://schemas.microsoft.com/office/powerpoint/2010/main" val="1150406925"/>
+        <p14:creationId xmlns:p14="http://schemas.microsoft.com/office/powerpoint/2010/main" val="1774691929"/>
       </p:ext>
     </p:extLst>
   </p:cSld>
@@ -17408,13 +17610,7 @@
       </p:grpSpPr>
       <p:sp>
         <p:nvSpPr>
-          <p:cNvPr id="2" name="Title 1">
-            <a:extLst>
-              <a:ext uri="{FF2B5EF4-FFF2-40B4-BE49-F238E27FC236}">
-                <a16:creationId xmlns:a16="http://schemas.microsoft.com/office/drawing/2014/main" id="{2E0AD874-EFA5-06F8-C4C2-BDDBB096FEB6}"/>
-              </a:ext>
-            </a:extLst>
-          </p:cNvPr>
+          <p:cNvPr id="2" name="Title 1"/>
           <p:cNvSpPr>
             <a:spLocks noGrp="1"/>
           </p:cNvSpPr>
@@ -17424,15 +17620,20 @@
         </p:nvSpPr>
         <p:spPr>
           <a:xfrm>
-            <a:off x="831850" y="1709738"/>
-            <a:ext cx="10515600" cy="2852737"/>
+            <a:off x="1106424" y="1173575"/>
+            <a:ext cx="9966960" cy="2926080"/>
           </a:xfrm>
         </p:spPr>
         <p:txBody>
-          <a:bodyPr anchor="b"/>
+          <a:bodyPr anchor="b">
+            <a:noAutofit/>
+          </a:bodyPr>
           <a:lstStyle>
-            <a:lvl1pPr>
-              <a:defRPr sz="6000"/>
+            <a:lvl1pPr algn="ctr">
+              <a:lnSpc>
+                <a:spcPct val="85000"/>
+              </a:lnSpc>
+              <a:defRPr sz="7200" b="0" cap="all" baseline="0"/>
             </a:lvl1pPr>
           </a:lstStyle>
           <a:p>
@@ -17440,18 +17641,13 @@
               <a:rPr lang="en-US"/>
               <a:t>Click to edit Master title style</a:t>
             </a:r>
+            <a:endParaRPr lang="en-US" dirty="0"/>
           </a:p>
         </p:txBody>
       </p:sp>
       <p:sp>
         <p:nvSpPr>
-          <p:cNvPr id="3" name="Text Placeholder 2">
-            <a:extLst>
-              <a:ext uri="{FF2B5EF4-FFF2-40B4-BE49-F238E27FC236}">
-                <a16:creationId xmlns:a16="http://schemas.microsoft.com/office/drawing/2014/main" id="{4C9C2E37-3FE8-4C4C-1438-1B02D7EC6ECD}"/>
-              </a:ext>
-            </a:extLst>
-          </p:cNvPr>
+          <p:cNvPr id="3" name="Text Placeholder 2"/>
           <p:cNvSpPr>
             <a:spLocks noGrp="1"/>
           </p:cNvSpPr>
@@ -17461,26 +17657,26 @@
         </p:nvSpPr>
         <p:spPr>
           <a:xfrm>
-            <a:off x="831850" y="4589463"/>
-            <a:ext cx="10515600" cy="1500187"/>
+            <a:off x="1709928" y="4154520"/>
+            <a:ext cx="8769096" cy="1363806"/>
           </a:xfrm>
         </p:spPr>
         <p:txBody>
-          <a:bodyPr/>
+          <a:bodyPr anchor="t">
+            <a:normAutofit/>
+          </a:bodyPr>
           <a:lstStyle>
-            <a:lvl1pPr marL="0" indent="0">
+            <a:lvl1pPr marL="0" indent="0" algn="ctr">
               <a:buNone/>
-              <a:defRPr sz="2400">
+              <a:defRPr sz="2200">
                 <a:solidFill>
-                  <a:schemeClr val="tx1">
-                    <a:tint val="75000"/>
-                  </a:schemeClr>
+                  <a:schemeClr val="accent1"/>
                 </a:solidFill>
               </a:defRPr>
             </a:lvl1pPr>
             <a:lvl2pPr marL="457200" indent="0">
               <a:buNone/>
-              <a:defRPr sz="2000">
+              <a:defRPr sz="1800">
                 <a:solidFill>
                   <a:schemeClr val="tx1">
                     <a:tint val="75000"/>
@@ -17490,7 +17686,7 @@
             </a:lvl2pPr>
             <a:lvl3pPr marL="914400" indent="0">
               <a:buNone/>
-              <a:defRPr sz="1800">
+              <a:defRPr sz="1600">
                 <a:solidFill>
                   <a:schemeClr val="tx1">
                     <a:tint val="75000"/>
@@ -17500,7 +17696,7 @@
             </a:lvl3pPr>
             <a:lvl4pPr marL="1371600" indent="0">
               <a:buNone/>
-              <a:defRPr sz="1600">
+              <a:defRPr sz="1400">
                 <a:solidFill>
                   <a:schemeClr val="tx1">
                     <a:tint val="75000"/>
@@ -17510,7 +17706,7 @@
             </a:lvl4pPr>
             <a:lvl5pPr marL="1828800" indent="0">
               <a:buNone/>
-              <a:defRPr sz="1600">
+              <a:defRPr sz="1400">
                 <a:solidFill>
                   <a:schemeClr val="tx1">
                     <a:tint val="75000"/>
@@ -17520,7 +17716,7 @@
             </a:lvl5pPr>
             <a:lvl6pPr marL="2286000" indent="0">
               <a:buNone/>
-              <a:defRPr sz="1600">
+              <a:defRPr sz="1400">
                 <a:solidFill>
                   <a:schemeClr val="tx1">
                     <a:tint val="75000"/>
@@ -17530,7 +17726,7 @@
             </a:lvl6pPr>
             <a:lvl7pPr marL="2743200" indent="0">
               <a:buNone/>
-              <a:defRPr sz="1600">
+              <a:defRPr sz="1400">
                 <a:solidFill>
                   <a:schemeClr val="tx1">
                     <a:tint val="75000"/>
@@ -17540,7 +17736,7 @@
             </a:lvl7pPr>
             <a:lvl8pPr marL="3200400" indent="0">
               <a:buNone/>
-              <a:defRPr sz="1600">
+              <a:defRPr sz="1400">
                 <a:solidFill>
                   <a:schemeClr val="tx1">
                     <a:tint val="75000"/>
@@ -17550,7 +17746,7 @@
             </a:lvl8pPr>
             <a:lvl9pPr marL="3657600" indent="0">
               <a:buNone/>
-              <a:defRPr sz="1600">
+              <a:defRPr sz="1400">
                 <a:solidFill>
                   <a:schemeClr val="tx1">
                     <a:tint val="75000"/>
@@ -17570,13 +17766,7 @@
       </p:sp>
       <p:sp>
         <p:nvSpPr>
-          <p:cNvPr id="4" name="Date Placeholder 3">
-            <a:extLst>
-              <a:ext uri="{FF2B5EF4-FFF2-40B4-BE49-F238E27FC236}">
-                <a16:creationId xmlns:a16="http://schemas.microsoft.com/office/drawing/2014/main" id="{ABDF2D5A-3BE4-FD8D-21BC-070DF6775765}"/>
-              </a:ext>
-            </a:extLst>
-          </p:cNvPr>
+          <p:cNvPr id="4" name="Date Placeholder 3"/>
           <p:cNvSpPr>
             <a:spLocks noGrp="1"/>
           </p:cNvSpPr>
@@ -17591,7 +17781,7 @@
           <a:p>
             <a:fld id="{48A87A34-81AB-432B-8DAE-1953F412C126}" type="datetimeFigureOut">
               <a:rPr lang="en-US" smtClean="0"/>
-              <a:t>10/30/2023</a:t>
+              <a:t>11/2/2023</a:t>
             </a:fld>
             <a:endParaRPr lang="en-US" dirty="0"/>
           </a:p>
@@ -17599,13 +17789,7 @@
       </p:sp>
       <p:sp>
         <p:nvSpPr>
-          <p:cNvPr id="5" name="Footer Placeholder 4">
-            <a:extLst>
-              <a:ext uri="{FF2B5EF4-FFF2-40B4-BE49-F238E27FC236}">
-                <a16:creationId xmlns:a16="http://schemas.microsoft.com/office/drawing/2014/main" id="{05B9CC59-C6B8-5478-4C68-6CDD44BF48B7}"/>
-              </a:ext>
-            </a:extLst>
-          </p:cNvPr>
+          <p:cNvPr id="5" name="Footer Placeholder 4"/>
           <p:cNvSpPr>
             <a:spLocks noGrp="1"/>
           </p:cNvSpPr>
@@ -17624,13 +17808,7 @@
       </p:sp>
       <p:sp>
         <p:nvSpPr>
-          <p:cNvPr id="6" name="Slide Number Placeholder 5">
-            <a:extLst>
-              <a:ext uri="{FF2B5EF4-FFF2-40B4-BE49-F238E27FC236}">
-                <a16:creationId xmlns:a16="http://schemas.microsoft.com/office/drawing/2014/main" id="{5F3DEF4D-79D7-4EE0-0A0E-81D87E3DC460}"/>
-              </a:ext>
-            </a:extLst>
-          </p:cNvPr>
+          <p:cNvPr id="6" name="Slide Number Placeholder 5"/>
           <p:cNvSpPr>
             <a:spLocks noGrp="1"/>
           </p:cNvSpPr>
@@ -17651,12 +17829,47 @@
           </a:p>
         </p:txBody>
       </p:sp>
+      <p:cxnSp>
+        <p:nvCxnSpPr>
+          <p:cNvPr id="7" name="Straight Connector 6"/>
+          <p:cNvCxnSpPr/>
+          <p:nvPr/>
+        </p:nvCxnSpPr>
+        <p:spPr>
+          <a:xfrm>
+            <a:off x="1981200" y="4020408"/>
+            <a:ext cx="8229601" cy="0"/>
+          </a:xfrm>
+          <a:prstGeom prst="line">
+            <a:avLst/>
+          </a:prstGeom>
+          <a:ln>
+            <a:solidFill>
+              <a:schemeClr val="accent1"/>
+            </a:solidFill>
+          </a:ln>
+        </p:spPr>
+        <p:style>
+          <a:lnRef idx="1">
+            <a:schemeClr val="accent1"/>
+          </a:lnRef>
+          <a:fillRef idx="0">
+            <a:schemeClr val="accent1"/>
+          </a:fillRef>
+          <a:effectRef idx="0">
+            <a:schemeClr val="accent1"/>
+          </a:effectRef>
+          <a:fontRef idx="minor">
+            <a:schemeClr val="tx1"/>
+          </a:fontRef>
+        </p:style>
+      </p:cxnSp>
       <p:sp>
         <p:nvSpPr>
-          <p:cNvPr id="7" name="Freeform: Shape 6">
+          <p:cNvPr id="8" name="Freeform: Shape 7">
             <a:extLst>
               <a:ext uri="{FF2B5EF4-FFF2-40B4-BE49-F238E27FC236}">
-                <a16:creationId xmlns:a16="http://schemas.microsoft.com/office/drawing/2014/main" id="{C2D3AD4F-8AB1-B17B-D255-B663B1444BC0}"/>
+                <a16:creationId xmlns:a16="http://schemas.microsoft.com/office/drawing/2014/main" id="{1190D766-EAA4-C43B-45E4-FF70DCEA21F1}"/>
               </a:ext>
               <a:ext uri="{C183D7F6-B498-43B3-948B-1728B52AA6E4}">
                 <adec:decorative xmlns:adec="http://schemas.microsoft.com/office/drawing/2017/decorative" val="1"/>
@@ -17770,10 +17983,10 @@
       </p:sp>
       <p:sp>
         <p:nvSpPr>
-          <p:cNvPr id="8" name="Freeform: Shape 7">
+          <p:cNvPr id="9" name="Freeform: Shape 8">
             <a:extLst>
               <a:ext uri="{FF2B5EF4-FFF2-40B4-BE49-F238E27FC236}">
-                <a16:creationId xmlns:a16="http://schemas.microsoft.com/office/drawing/2014/main" id="{F10E911F-F7EF-D79C-ADC2-7FF68B014DE8}"/>
+                <a16:creationId xmlns:a16="http://schemas.microsoft.com/office/drawing/2014/main" id="{E6D2ABE2-971D-1FBA-F8CA-CD3DAE31B8D7}"/>
               </a:ext>
               <a:ext uri="{C183D7F6-B498-43B3-948B-1728B52AA6E4}">
                 <adec:decorative xmlns:adec="http://schemas.microsoft.com/office/drawing/2017/decorative" val="1"/>
@@ -17889,10 +18102,10 @@
       </p:sp>
       <p:sp>
         <p:nvSpPr>
-          <p:cNvPr id="9" name="Freeform: Shape 8">
+          <p:cNvPr id="10" name="Freeform: Shape 9">
             <a:extLst>
               <a:ext uri="{FF2B5EF4-FFF2-40B4-BE49-F238E27FC236}">
-                <a16:creationId xmlns:a16="http://schemas.microsoft.com/office/drawing/2014/main" id="{82CBBED1-6F9C-872F-E3B1-49C245CC16FA}"/>
+                <a16:creationId xmlns:a16="http://schemas.microsoft.com/office/drawing/2014/main" id="{D787BB0E-A099-EC53-774A-3C08A42B66A6}"/>
               </a:ext>
               <a:ext uri="{C183D7F6-B498-43B3-948B-1728B52AA6E4}">
                 <adec:decorative xmlns:adec="http://schemas.microsoft.com/office/drawing/2017/decorative" val="1"/>
@@ -18088,10 +18301,10 @@
       </p:sp>
       <p:sp>
         <p:nvSpPr>
-          <p:cNvPr id="10" name="Freeform: Shape 9">
+          <p:cNvPr id="11" name="Freeform: Shape 10">
             <a:extLst>
               <a:ext uri="{FF2B5EF4-FFF2-40B4-BE49-F238E27FC236}">
-                <a16:creationId xmlns:a16="http://schemas.microsoft.com/office/drawing/2014/main" id="{C81F0BC3-3D3F-DABA-580C-F7611E56556D}"/>
+                <a16:creationId xmlns:a16="http://schemas.microsoft.com/office/drawing/2014/main" id="{C85F55D4-5670-185E-58F3-36772783F6AD}"/>
               </a:ext>
               <a:ext uri="{C183D7F6-B498-43B3-948B-1728B52AA6E4}">
                 <adec:decorative xmlns:adec="http://schemas.microsoft.com/office/drawing/2017/decorative" val="1"/>
@@ -18235,10 +18448,10 @@
       </p:sp>
       <p:sp>
         <p:nvSpPr>
-          <p:cNvPr id="11" name="Freeform: Shape 10">
+          <p:cNvPr id="12" name="Freeform: Shape 11">
             <a:extLst>
               <a:ext uri="{FF2B5EF4-FFF2-40B4-BE49-F238E27FC236}">
-                <a16:creationId xmlns:a16="http://schemas.microsoft.com/office/drawing/2014/main" id="{F8EB47A6-F6F0-3D19-B10A-994BB3B0489E}"/>
+                <a16:creationId xmlns:a16="http://schemas.microsoft.com/office/drawing/2014/main" id="{BDD686F4-A1A6-96B3-14E1-5607DD911358}"/>
               </a:ext>
               <a:ext uri="{C183D7F6-B498-43B3-948B-1728B52AA6E4}">
                 <adec:decorative xmlns:adec="http://schemas.microsoft.com/office/drawing/2017/decorative" val="1"/>
@@ -18320,10 +18533,10 @@
       </p:sp>
       <p:sp>
         <p:nvSpPr>
-          <p:cNvPr id="12" name="Freeform: Shape 11">
+          <p:cNvPr id="13" name="Freeform: Shape 12">
             <a:extLst>
               <a:ext uri="{FF2B5EF4-FFF2-40B4-BE49-F238E27FC236}">
-                <a16:creationId xmlns:a16="http://schemas.microsoft.com/office/drawing/2014/main" id="{0F5B10D6-6051-5415-9882-BAE464224061}"/>
+                <a16:creationId xmlns:a16="http://schemas.microsoft.com/office/drawing/2014/main" id="{A7C2EF12-80F5-4436-0440-C6CB59243FF8}"/>
               </a:ext>
               <a:ext uri="{C183D7F6-B498-43B3-948B-1728B52AA6E4}">
                 <adec:decorative xmlns:adec="http://schemas.microsoft.com/office/drawing/2017/decorative" val="1"/>
@@ -18421,7 +18634,7 @@
     </p:spTree>
     <p:extLst>
       <p:ext uri="{BB962C8B-B14F-4D97-AF65-F5344CB8AC3E}">
-        <p14:creationId xmlns:p14="http://schemas.microsoft.com/office/powerpoint/2010/main" val="2716199692"/>
+        <p14:creationId xmlns:p14="http://schemas.microsoft.com/office/powerpoint/2010/main" val="3816487203"/>
       </p:ext>
     </p:extLst>
   </p:cSld>
@@ -18450,13 +18663,7 @@
       </p:grpSpPr>
       <p:sp>
         <p:nvSpPr>
-          <p:cNvPr id="2" name="Title 1">
-            <a:extLst>
-              <a:ext uri="{FF2B5EF4-FFF2-40B4-BE49-F238E27FC236}">
-                <a16:creationId xmlns:a16="http://schemas.microsoft.com/office/drawing/2014/main" id="{1FE7333D-F886-4202-4431-1EBFB3AE20F5}"/>
-              </a:ext>
-            </a:extLst>
-          </p:cNvPr>
+          <p:cNvPr id="8" name="Title 7"/>
           <p:cNvSpPr>
             <a:spLocks noGrp="1"/>
           </p:cNvSpPr>
@@ -18473,18 +18680,13 @@
               <a:rPr lang="en-US"/>
               <a:t>Click to edit Master title style</a:t>
             </a:r>
+            <a:endParaRPr lang="en-US" dirty="0"/>
           </a:p>
         </p:txBody>
       </p:sp>
       <p:sp>
         <p:nvSpPr>
-          <p:cNvPr id="3" name="Content Placeholder 2">
-            <a:extLst>
-              <a:ext uri="{FF2B5EF4-FFF2-40B4-BE49-F238E27FC236}">
-                <a16:creationId xmlns:a16="http://schemas.microsoft.com/office/drawing/2014/main" id="{F17EB0C2-1F3E-089D-6AFC-266F833CA42F}"/>
-              </a:ext>
-            </a:extLst>
-          </p:cNvPr>
+          <p:cNvPr id="3" name="Content Placeholder 2"/>
           <p:cNvSpPr>
             <a:spLocks noGrp="1"/>
           </p:cNvSpPr>
@@ -18494,13 +18696,41 @@
         </p:nvSpPr>
         <p:spPr>
           <a:xfrm>
-            <a:off x="838200" y="1825625"/>
-            <a:ext cx="5181600" cy="4351338"/>
+            <a:off x="1143000" y="2057399"/>
+            <a:ext cx="4754880" cy="4023360"/>
           </a:xfrm>
         </p:spPr>
         <p:txBody>
           <a:bodyPr/>
-          <a:lstStyle/>
+          <a:lstStyle>
+            <a:lvl1pPr>
+              <a:defRPr sz="2200"/>
+            </a:lvl1pPr>
+            <a:lvl2pPr>
+              <a:defRPr sz="2000"/>
+            </a:lvl2pPr>
+            <a:lvl3pPr>
+              <a:defRPr sz="1800"/>
+            </a:lvl3pPr>
+            <a:lvl4pPr>
+              <a:defRPr sz="1600"/>
+            </a:lvl4pPr>
+            <a:lvl5pPr>
+              <a:defRPr sz="1600"/>
+            </a:lvl5pPr>
+            <a:lvl6pPr>
+              <a:defRPr sz="1600"/>
+            </a:lvl6pPr>
+            <a:lvl7pPr>
+              <a:defRPr sz="1600"/>
+            </a:lvl7pPr>
+            <a:lvl8pPr>
+              <a:defRPr sz="1600"/>
+            </a:lvl8pPr>
+            <a:lvl9pPr>
+              <a:defRPr sz="1600"/>
+            </a:lvl9pPr>
+          </a:lstStyle>
           <a:p>
             <a:pPr lvl="0"/>
             <a:r>
@@ -18535,18 +18765,13 @@
               <a:rPr lang="en-US"/>
               <a:t>Fifth level</a:t>
             </a:r>
+            <a:endParaRPr lang="en-US" dirty="0"/>
           </a:p>
         </p:txBody>
       </p:sp>
       <p:sp>
         <p:nvSpPr>
-          <p:cNvPr id="4" name="Content Placeholder 3">
-            <a:extLst>
-              <a:ext uri="{FF2B5EF4-FFF2-40B4-BE49-F238E27FC236}">
-                <a16:creationId xmlns:a16="http://schemas.microsoft.com/office/drawing/2014/main" id="{B6C55F84-8523-DA82-91A1-7392BFA75119}"/>
-              </a:ext>
-            </a:extLst>
-          </p:cNvPr>
+          <p:cNvPr id="4" name="Content Placeholder 3"/>
           <p:cNvSpPr>
             <a:spLocks noGrp="1"/>
           </p:cNvSpPr>
@@ -18556,13 +18781,41 @@
         </p:nvSpPr>
         <p:spPr>
           <a:xfrm>
-            <a:off x="6172200" y="1825625"/>
-            <a:ext cx="5181600" cy="4351338"/>
+            <a:off x="6267612" y="2057400"/>
+            <a:ext cx="4754880" cy="4023360"/>
           </a:xfrm>
         </p:spPr>
         <p:txBody>
           <a:bodyPr/>
-          <a:lstStyle/>
+          <a:lstStyle>
+            <a:lvl1pPr>
+              <a:defRPr sz="2200"/>
+            </a:lvl1pPr>
+            <a:lvl2pPr>
+              <a:defRPr sz="2000"/>
+            </a:lvl2pPr>
+            <a:lvl3pPr>
+              <a:defRPr sz="1800"/>
+            </a:lvl3pPr>
+            <a:lvl4pPr>
+              <a:defRPr sz="1600"/>
+            </a:lvl4pPr>
+            <a:lvl5pPr>
+              <a:defRPr sz="1600"/>
+            </a:lvl5pPr>
+            <a:lvl6pPr>
+              <a:defRPr sz="1600"/>
+            </a:lvl6pPr>
+            <a:lvl7pPr>
+              <a:defRPr sz="1600"/>
+            </a:lvl7pPr>
+            <a:lvl8pPr>
+              <a:defRPr sz="1600"/>
+            </a:lvl8pPr>
+            <a:lvl9pPr>
+              <a:defRPr sz="1600"/>
+            </a:lvl9pPr>
+          </a:lstStyle>
           <a:p>
             <a:pPr lvl="0"/>
             <a:r>
@@ -18597,18 +18850,13 @@
               <a:rPr lang="en-US"/>
               <a:t>Fifth level</a:t>
             </a:r>
+            <a:endParaRPr lang="en-US" dirty="0"/>
           </a:p>
         </p:txBody>
       </p:sp>
       <p:sp>
         <p:nvSpPr>
-          <p:cNvPr id="5" name="Date Placeholder 4">
-            <a:extLst>
-              <a:ext uri="{FF2B5EF4-FFF2-40B4-BE49-F238E27FC236}">
-                <a16:creationId xmlns:a16="http://schemas.microsoft.com/office/drawing/2014/main" id="{6C9DD429-4DB6-D26E-6067-C477DE1033A6}"/>
-              </a:ext>
-            </a:extLst>
-          </p:cNvPr>
+          <p:cNvPr id="5" name="Date Placeholder 4"/>
           <p:cNvSpPr>
             <a:spLocks noGrp="1"/>
           </p:cNvSpPr>
@@ -18623,7 +18871,7 @@
           <a:p>
             <a:fld id="{48A87A34-81AB-432B-8DAE-1953F412C126}" type="datetimeFigureOut">
               <a:rPr lang="en-US" smtClean="0"/>
-              <a:t>10/30/2023</a:t>
+              <a:t>11/2/2023</a:t>
             </a:fld>
             <a:endParaRPr lang="en-US" dirty="0"/>
           </a:p>
@@ -18631,13 +18879,7 @@
       </p:sp>
       <p:sp>
         <p:nvSpPr>
-          <p:cNvPr id="6" name="Footer Placeholder 5">
-            <a:extLst>
-              <a:ext uri="{FF2B5EF4-FFF2-40B4-BE49-F238E27FC236}">
-                <a16:creationId xmlns:a16="http://schemas.microsoft.com/office/drawing/2014/main" id="{F30FD437-E331-EBE7-28AF-5EF40D932BDC}"/>
-              </a:ext>
-            </a:extLst>
-          </p:cNvPr>
+          <p:cNvPr id="6" name="Footer Placeholder 5"/>
           <p:cNvSpPr>
             <a:spLocks noGrp="1"/>
           </p:cNvSpPr>
@@ -18660,13 +18902,7 @@
       </p:sp>
       <p:sp>
         <p:nvSpPr>
-          <p:cNvPr id="7" name="Slide Number Placeholder 6">
-            <a:extLst>
-              <a:ext uri="{FF2B5EF4-FFF2-40B4-BE49-F238E27FC236}">
-                <a16:creationId xmlns:a16="http://schemas.microsoft.com/office/drawing/2014/main" id="{79881F98-33FD-3EF9-98EC-B21B765A49A4}"/>
-              </a:ext>
-            </a:extLst>
-          </p:cNvPr>
+          <p:cNvPr id="7" name="Slide Number Placeholder 6"/>
           <p:cNvSpPr>
             <a:spLocks noGrp="1"/>
           </p:cNvSpPr>
@@ -18691,7 +18927,7 @@
     </p:spTree>
     <p:extLst>
       <p:ext uri="{BB962C8B-B14F-4D97-AF65-F5344CB8AC3E}">
-        <p14:creationId xmlns:p14="http://schemas.microsoft.com/office/powerpoint/2010/main" val="177561350"/>
+        <p14:creationId xmlns:p14="http://schemas.microsoft.com/office/powerpoint/2010/main" val="930766024"/>
       </p:ext>
     </p:extLst>
   </p:cSld>
@@ -18721,13 +18957,7 @@
       </p:grpSpPr>
       <p:sp>
         <p:nvSpPr>
-          <p:cNvPr id="2" name="Title 1">
-            <a:extLst>
-              <a:ext uri="{FF2B5EF4-FFF2-40B4-BE49-F238E27FC236}">
-                <a16:creationId xmlns:a16="http://schemas.microsoft.com/office/drawing/2014/main" id="{AE269024-9825-0AEA-02DE-A3727F3F52DF}"/>
-              </a:ext>
-            </a:extLst>
-          </p:cNvPr>
+          <p:cNvPr id="10" name="Title 9"/>
           <p:cNvSpPr>
             <a:spLocks noGrp="1"/>
           </p:cNvSpPr>
@@ -18735,12 +18965,7 @@
             <p:ph type="title"/>
           </p:nvPr>
         </p:nvSpPr>
-        <p:spPr>
-          <a:xfrm>
-            <a:off x="839788" y="365125"/>
-            <a:ext cx="10515600" cy="1325563"/>
-          </a:xfrm>
-        </p:spPr>
+        <p:spPr/>
         <p:txBody>
           <a:bodyPr/>
           <a:lstStyle/>
@@ -18749,18 +18974,13 @@
               <a:rPr lang="en-US"/>
               <a:t>Click to edit Master title style</a:t>
             </a:r>
+            <a:endParaRPr lang="en-US" dirty="0"/>
           </a:p>
         </p:txBody>
       </p:sp>
       <p:sp>
         <p:nvSpPr>
-          <p:cNvPr id="3" name="Text Placeholder 2">
-            <a:extLst>
-              <a:ext uri="{FF2B5EF4-FFF2-40B4-BE49-F238E27FC236}">
-                <a16:creationId xmlns:a16="http://schemas.microsoft.com/office/drawing/2014/main" id="{B0B5EF74-663E-DBA4-D3CB-EE0FC7060803}"/>
-              </a:ext>
-            </a:extLst>
-          </p:cNvPr>
+          <p:cNvPr id="3" name="Text Placeholder 2"/>
           <p:cNvSpPr>
             <a:spLocks noGrp="1"/>
           </p:cNvSpPr>
@@ -18770,14 +18990,17 @@
         </p:nvSpPr>
         <p:spPr>
           <a:xfrm>
-            <a:off x="839788" y="1681163"/>
-            <a:ext cx="5157787" cy="823912"/>
+            <a:off x="1143000" y="2001511"/>
+            <a:ext cx="4754880" cy="777240"/>
           </a:xfrm>
         </p:spPr>
         <p:txBody>
-          <a:bodyPr anchor="b"/>
+          <a:bodyPr anchor="ctr"/>
           <a:lstStyle>
             <a:lvl1pPr marL="0" indent="0">
+              <a:spcBef>
+                <a:spcPts val="0"/>
+              </a:spcBef>
               <a:buNone/>
               <a:defRPr sz="2400" b="1"/>
             </a:lvl1pPr>
@@ -18825,13 +19048,7 @@
       </p:sp>
       <p:sp>
         <p:nvSpPr>
-          <p:cNvPr id="4" name="Content Placeholder 3">
-            <a:extLst>
-              <a:ext uri="{FF2B5EF4-FFF2-40B4-BE49-F238E27FC236}">
-                <a16:creationId xmlns:a16="http://schemas.microsoft.com/office/drawing/2014/main" id="{AE42DEB0-2F35-ED3D-953B-B8C4F741ACE9}"/>
-              </a:ext>
-            </a:extLst>
-          </p:cNvPr>
+          <p:cNvPr id="4" name="Content Placeholder 3"/>
           <p:cNvSpPr>
             <a:spLocks noGrp="1"/>
           </p:cNvSpPr>
@@ -18841,13 +19058,41 @@
         </p:nvSpPr>
         <p:spPr>
           <a:xfrm>
-            <a:off x="839788" y="2505075"/>
-            <a:ext cx="5157787" cy="3684588"/>
+            <a:off x="1143000" y="2721483"/>
+            <a:ext cx="4754880" cy="3383280"/>
           </a:xfrm>
         </p:spPr>
         <p:txBody>
           <a:bodyPr/>
-          <a:lstStyle/>
+          <a:lstStyle>
+            <a:lvl1pPr>
+              <a:defRPr sz="2200"/>
+            </a:lvl1pPr>
+            <a:lvl2pPr>
+              <a:defRPr sz="2000"/>
+            </a:lvl2pPr>
+            <a:lvl3pPr>
+              <a:defRPr sz="1800"/>
+            </a:lvl3pPr>
+            <a:lvl4pPr>
+              <a:defRPr sz="1600"/>
+            </a:lvl4pPr>
+            <a:lvl5pPr>
+              <a:defRPr sz="1600"/>
+            </a:lvl5pPr>
+            <a:lvl6pPr>
+              <a:defRPr sz="1600"/>
+            </a:lvl6pPr>
+            <a:lvl7pPr>
+              <a:defRPr sz="1600"/>
+            </a:lvl7pPr>
+            <a:lvl8pPr>
+              <a:defRPr sz="1600"/>
+            </a:lvl8pPr>
+            <a:lvl9pPr>
+              <a:defRPr sz="1600"/>
+            </a:lvl9pPr>
+          </a:lstStyle>
           <a:p>
             <a:pPr lvl="0"/>
             <a:r>
@@ -18882,18 +19127,13 @@
               <a:rPr lang="en-US"/>
               <a:t>Fifth level</a:t>
             </a:r>
+            <a:endParaRPr lang="en-US" dirty="0"/>
           </a:p>
         </p:txBody>
       </p:sp>
       <p:sp>
         <p:nvSpPr>
-          <p:cNvPr id="5" name="Text Placeholder 4">
-            <a:extLst>
-              <a:ext uri="{FF2B5EF4-FFF2-40B4-BE49-F238E27FC236}">
-                <a16:creationId xmlns:a16="http://schemas.microsoft.com/office/drawing/2014/main" id="{D708428D-92EC-2885-D6C4-1D733A662CEF}"/>
-              </a:ext>
-            </a:extLst>
-          </p:cNvPr>
+          <p:cNvPr id="5" name="Text Placeholder 4"/>
           <p:cNvSpPr>
             <a:spLocks noGrp="1"/>
           </p:cNvSpPr>
@@ -18903,14 +19143,17 @@
         </p:nvSpPr>
         <p:spPr>
           <a:xfrm>
-            <a:off x="6172200" y="1681163"/>
-            <a:ext cx="5183188" cy="823912"/>
+            <a:off x="6269173" y="1999032"/>
+            <a:ext cx="4754880" cy="777240"/>
           </a:xfrm>
         </p:spPr>
         <p:txBody>
-          <a:bodyPr anchor="b"/>
+          <a:bodyPr anchor="ctr"/>
           <a:lstStyle>
             <a:lvl1pPr marL="0" indent="0">
+              <a:spcBef>
+                <a:spcPts val="0"/>
+              </a:spcBef>
               <a:buNone/>
               <a:defRPr sz="2400" b="1"/>
             </a:lvl1pPr>
@@ -18958,13 +19201,7 @@
       </p:sp>
       <p:sp>
         <p:nvSpPr>
-          <p:cNvPr id="6" name="Content Placeholder 5">
-            <a:extLst>
-              <a:ext uri="{FF2B5EF4-FFF2-40B4-BE49-F238E27FC236}">
-                <a16:creationId xmlns:a16="http://schemas.microsoft.com/office/drawing/2014/main" id="{D4D4FAB0-3064-31BE-E569-6B036064C603}"/>
-              </a:ext>
-            </a:extLst>
-          </p:cNvPr>
+          <p:cNvPr id="6" name="Content Placeholder 5"/>
           <p:cNvSpPr>
             <a:spLocks noGrp="1"/>
           </p:cNvSpPr>
@@ -18974,13 +19211,41 @@
         </p:nvSpPr>
         <p:spPr>
           <a:xfrm>
-            <a:off x="6172200" y="2505075"/>
-            <a:ext cx="5183188" cy="3684588"/>
+            <a:off x="6269173" y="2719322"/>
+            <a:ext cx="4754880" cy="3383280"/>
           </a:xfrm>
         </p:spPr>
         <p:txBody>
           <a:bodyPr/>
-          <a:lstStyle/>
+          <a:lstStyle>
+            <a:lvl1pPr>
+              <a:defRPr sz="2200"/>
+            </a:lvl1pPr>
+            <a:lvl2pPr>
+              <a:defRPr sz="2000"/>
+            </a:lvl2pPr>
+            <a:lvl3pPr>
+              <a:defRPr sz="1800"/>
+            </a:lvl3pPr>
+            <a:lvl4pPr>
+              <a:defRPr sz="1600"/>
+            </a:lvl4pPr>
+            <a:lvl5pPr>
+              <a:defRPr sz="1600"/>
+            </a:lvl5pPr>
+            <a:lvl6pPr>
+              <a:defRPr sz="1600"/>
+            </a:lvl6pPr>
+            <a:lvl7pPr>
+              <a:defRPr sz="1600"/>
+            </a:lvl7pPr>
+            <a:lvl8pPr>
+              <a:defRPr sz="1600"/>
+            </a:lvl8pPr>
+            <a:lvl9pPr>
+              <a:defRPr sz="1600"/>
+            </a:lvl9pPr>
+          </a:lstStyle>
           <a:p>
             <a:pPr lvl="0"/>
             <a:r>
@@ -19015,18 +19280,13 @@
               <a:rPr lang="en-US"/>
               <a:t>Fifth level</a:t>
             </a:r>
+            <a:endParaRPr lang="en-US" dirty="0"/>
           </a:p>
         </p:txBody>
       </p:sp>
       <p:sp>
         <p:nvSpPr>
-          <p:cNvPr id="7" name="Date Placeholder 6">
-            <a:extLst>
-              <a:ext uri="{FF2B5EF4-FFF2-40B4-BE49-F238E27FC236}">
-                <a16:creationId xmlns:a16="http://schemas.microsoft.com/office/drawing/2014/main" id="{3F0B93AA-72B7-2FE6-5CA8-375AE0588505}"/>
-              </a:ext>
-            </a:extLst>
-          </p:cNvPr>
+          <p:cNvPr id="7" name="Date Placeholder 6"/>
           <p:cNvSpPr>
             <a:spLocks noGrp="1"/>
           </p:cNvSpPr>
@@ -19041,7 +19301,7 @@
           <a:p>
             <a:fld id="{48A87A34-81AB-432B-8DAE-1953F412C126}" type="datetimeFigureOut">
               <a:rPr lang="en-US" smtClean="0"/>
-              <a:t>10/30/2023</a:t>
+              <a:t>11/2/2023</a:t>
             </a:fld>
             <a:endParaRPr lang="en-US" dirty="0"/>
           </a:p>
@@ -19049,13 +19309,7 @@
       </p:sp>
       <p:sp>
         <p:nvSpPr>
-          <p:cNvPr id="8" name="Footer Placeholder 7">
-            <a:extLst>
-              <a:ext uri="{FF2B5EF4-FFF2-40B4-BE49-F238E27FC236}">
-                <a16:creationId xmlns:a16="http://schemas.microsoft.com/office/drawing/2014/main" id="{256D30FE-5CE8-E838-6B7A-4CD7717C0563}"/>
-              </a:ext>
-            </a:extLst>
-          </p:cNvPr>
+          <p:cNvPr id="8" name="Footer Placeholder 7"/>
           <p:cNvSpPr>
             <a:spLocks noGrp="1"/>
           </p:cNvSpPr>
@@ -19074,13 +19328,7 @@
       </p:sp>
       <p:sp>
         <p:nvSpPr>
-          <p:cNvPr id="9" name="Slide Number Placeholder 8">
-            <a:extLst>
-              <a:ext uri="{FF2B5EF4-FFF2-40B4-BE49-F238E27FC236}">
-                <a16:creationId xmlns:a16="http://schemas.microsoft.com/office/drawing/2014/main" id="{BE90B6FC-B496-E4A2-90A2-4AD00A6BB3A6}"/>
-              </a:ext>
-            </a:extLst>
-          </p:cNvPr>
+          <p:cNvPr id="9" name="Slide Number Placeholder 8"/>
           <p:cNvSpPr>
             <a:spLocks noGrp="1"/>
           </p:cNvSpPr>
@@ -19104,10 +19352,10 @@
       </p:sp>
       <p:sp>
         <p:nvSpPr>
-          <p:cNvPr id="10" name="Image 0">
+          <p:cNvPr id="2" name="Image 0">
             <a:extLst>
               <a:ext uri="{FF2B5EF4-FFF2-40B4-BE49-F238E27FC236}">
-                <a16:creationId xmlns:a16="http://schemas.microsoft.com/office/drawing/2014/main" id="{736001DC-167C-4A20-BB32-EFDE0C2ADBDA}"/>
+                <a16:creationId xmlns:a16="http://schemas.microsoft.com/office/drawing/2014/main" id="{AE31A001-27CB-B822-6E54-79DC3D1E1AC5}"/>
               </a:ext>
               <a:ext uri="{C183D7F6-B498-43B3-948B-1728B52AA6E4}">
                 <adec:decorative xmlns:adec="http://schemas.microsoft.com/office/drawing/2017/decorative" val="1"/>
@@ -19200,7 +19448,7 @@
           <p:cNvPr id="11" name="Image 1">
             <a:extLst>
               <a:ext uri="{FF2B5EF4-FFF2-40B4-BE49-F238E27FC236}">
-                <a16:creationId xmlns:a16="http://schemas.microsoft.com/office/drawing/2014/main" id="{996404C2-F4A8-CB93-91F1-3672CCE6BC57}"/>
+                <a16:creationId xmlns:a16="http://schemas.microsoft.com/office/drawing/2014/main" id="{C2925D4A-84D1-8BE6-9595-1E6931BC92BB}"/>
               </a:ext>
               <a:ext uri="{C183D7F6-B498-43B3-948B-1728B52AA6E4}">
                 <adec:decorative xmlns:adec="http://schemas.microsoft.com/office/drawing/2017/decorative" val="1"/>
@@ -19241,7 +19489,7 @@
           <p:cNvPr id="12" name="Image 5">
             <a:extLst>
               <a:ext uri="{FF2B5EF4-FFF2-40B4-BE49-F238E27FC236}">
-                <a16:creationId xmlns:a16="http://schemas.microsoft.com/office/drawing/2014/main" id="{B6E4DD70-EA1D-79E6-E299-9FD594ED57D3}"/>
+                <a16:creationId xmlns:a16="http://schemas.microsoft.com/office/drawing/2014/main" id="{7C369017-E69B-E1E6-5BB2-5764D47AA9ED}"/>
               </a:ext>
               <a:ext uri="{C183D7F6-B498-43B3-948B-1728B52AA6E4}">
                 <adec:decorative xmlns:adec="http://schemas.microsoft.com/office/drawing/2017/decorative" val="1"/>
@@ -19342,7 +19590,7 @@
           <p:cNvPr id="13" name="Image 6">
             <a:extLst>
               <a:ext uri="{FF2B5EF4-FFF2-40B4-BE49-F238E27FC236}">
-                <a16:creationId xmlns:a16="http://schemas.microsoft.com/office/drawing/2014/main" id="{E432FC96-31CB-E7AD-8A8B-9FAF927BB37B}"/>
+                <a16:creationId xmlns:a16="http://schemas.microsoft.com/office/drawing/2014/main" id="{4B3C262F-F188-F90D-A8C2-B85050154C32}"/>
               </a:ext>
               <a:ext uri="{C183D7F6-B498-43B3-948B-1728B52AA6E4}">
                 <adec:decorative xmlns:adec="http://schemas.microsoft.com/office/drawing/2017/decorative" val="1"/>
@@ -19381,7 +19629,7 @@
     </p:spTree>
     <p:extLst>
       <p:ext uri="{BB962C8B-B14F-4D97-AF65-F5344CB8AC3E}">
-        <p14:creationId xmlns:p14="http://schemas.microsoft.com/office/powerpoint/2010/main" val="2194902265"/>
+        <p14:creationId xmlns:p14="http://schemas.microsoft.com/office/powerpoint/2010/main" val="3167188957"/>
       </p:ext>
     </p:extLst>
   </p:cSld>
@@ -19410,13 +19658,7 @@
       </p:grpSpPr>
       <p:sp>
         <p:nvSpPr>
-          <p:cNvPr id="2" name="Title 1">
-            <a:extLst>
-              <a:ext uri="{FF2B5EF4-FFF2-40B4-BE49-F238E27FC236}">
-                <a16:creationId xmlns:a16="http://schemas.microsoft.com/office/drawing/2014/main" id="{115369F9-E979-8718-90BC-BD42318AF36E}"/>
-              </a:ext>
-            </a:extLst>
-          </p:cNvPr>
+          <p:cNvPr id="2" name="Title 1"/>
           <p:cNvSpPr>
             <a:spLocks noGrp="1"/>
           </p:cNvSpPr>
@@ -19433,18 +19675,13 @@
               <a:rPr lang="en-US"/>
               <a:t>Click to edit Master title style</a:t>
             </a:r>
+            <a:endParaRPr lang="en-US" dirty="0"/>
           </a:p>
         </p:txBody>
       </p:sp>
       <p:sp>
         <p:nvSpPr>
-          <p:cNvPr id="3" name="Date Placeholder 2">
-            <a:extLst>
-              <a:ext uri="{FF2B5EF4-FFF2-40B4-BE49-F238E27FC236}">
-                <a16:creationId xmlns:a16="http://schemas.microsoft.com/office/drawing/2014/main" id="{C64CB2BB-C60C-6291-6C0E-CCB1DFE3FFBD}"/>
-              </a:ext>
-            </a:extLst>
-          </p:cNvPr>
+          <p:cNvPr id="3" name="Date Placeholder 2"/>
           <p:cNvSpPr>
             <a:spLocks noGrp="1"/>
           </p:cNvSpPr>
@@ -19459,7 +19696,7 @@
           <a:p>
             <a:fld id="{48A87A34-81AB-432B-8DAE-1953F412C126}" type="datetimeFigureOut">
               <a:rPr lang="en-US" smtClean="0"/>
-              <a:t>10/30/2023</a:t>
+              <a:t>11/2/2023</a:t>
             </a:fld>
             <a:endParaRPr lang="en-US" dirty="0"/>
           </a:p>
@@ -19467,13 +19704,7 @@
       </p:sp>
       <p:sp>
         <p:nvSpPr>
-          <p:cNvPr id="4" name="Footer Placeholder 3">
-            <a:extLst>
-              <a:ext uri="{FF2B5EF4-FFF2-40B4-BE49-F238E27FC236}">
-                <a16:creationId xmlns:a16="http://schemas.microsoft.com/office/drawing/2014/main" id="{2A3843FF-0508-F501-DE82-C3F02F7ADB70}"/>
-              </a:ext>
-            </a:extLst>
-          </p:cNvPr>
+          <p:cNvPr id="4" name="Footer Placeholder 3"/>
           <p:cNvSpPr>
             <a:spLocks noGrp="1"/>
           </p:cNvSpPr>
@@ -19496,13 +19727,7 @@
       </p:sp>
       <p:sp>
         <p:nvSpPr>
-          <p:cNvPr id="5" name="Slide Number Placeholder 4">
-            <a:extLst>
-              <a:ext uri="{FF2B5EF4-FFF2-40B4-BE49-F238E27FC236}">
-                <a16:creationId xmlns:a16="http://schemas.microsoft.com/office/drawing/2014/main" id="{42C73891-A131-4B44-2EDD-714E0F88D932}"/>
-              </a:ext>
-            </a:extLst>
-          </p:cNvPr>
+          <p:cNvPr id="5" name="Slide Number Placeholder 4"/>
           <p:cNvSpPr>
             <a:spLocks noGrp="1"/>
           </p:cNvSpPr>
@@ -19529,7 +19754,7 @@
           <p:cNvPr id="6" name="Freeform: Shape 5">
             <a:extLst>
               <a:ext uri="{FF2B5EF4-FFF2-40B4-BE49-F238E27FC236}">
-                <a16:creationId xmlns:a16="http://schemas.microsoft.com/office/drawing/2014/main" id="{74EEE8F1-AEE3-5996-9A6A-9F654A91FD9A}"/>
+                <a16:creationId xmlns:a16="http://schemas.microsoft.com/office/drawing/2014/main" id="{A3D78E34-389C-24A7-AD40-173D391F1C93}"/>
               </a:ext>
               <a:ext uri="{C183D7F6-B498-43B3-948B-1728B52AA6E4}">
                 <adec:decorative xmlns:adec="http://schemas.microsoft.com/office/drawing/2017/decorative" val="1"/>
@@ -20493,7 +20718,7 @@
           <p:cNvPr id="7" name="Freeform: Shape 6">
             <a:extLst>
               <a:ext uri="{FF2B5EF4-FFF2-40B4-BE49-F238E27FC236}">
-                <a16:creationId xmlns:a16="http://schemas.microsoft.com/office/drawing/2014/main" id="{76EA35FD-8708-6A7D-3E21-85255735B4A6}"/>
+                <a16:creationId xmlns:a16="http://schemas.microsoft.com/office/drawing/2014/main" id="{38915129-80EB-8910-4AF6-B9D22BA7BCFF}"/>
               </a:ext>
               <a:ext uri="{C183D7F6-B498-43B3-948B-1728B52AA6E4}">
                 <adec:decorative xmlns:adec="http://schemas.microsoft.com/office/drawing/2017/decorative" val="1"/>
@@ -21455,7 +21680,7 @@
     </p:spTree>
     <p:extLst>
       <p:ext uri="{BB962C8B-B14F-4D97-AF65-F5344CB8AC3E}">
-        <p14:creationId xmlns:p14="http://schemas.microsoft.com/office/powerpoint/2010/main" val="2422949504"/>
+        <p14:creationId xmlns:p14="http://schemas.microsoft.com/office/powerpoint/2010/main" val="3770268602"/>
       </p:ext>
     </p:extLst>
   </p:cSld>
@@ -21484,13 +21709,7 @@
       </p:grpSpPr>
       <p:sp>
         <p:nvSpPr>
-          <p:cNvPr id="2" name="Date Placeholder 1">
-            <a:extLst>
-              <a:ext uri="{FF2B5EF4-FFF2-40B4-BE49-F238E27FC236}">
-                <a16:creationId xmlns:a16="http://schemas.microsoft.com/office/drawing/2014/main" id="{C6DA9FAB-DE84-5DA0-52C8-5B6FCD11B18D}"/>
-              </a:ext>
-            </a:extLst>
-          </p:cNvPr>
+          <p:cNvPr id="2" name="Date Placeholder 1"/>
           <p:cNvSpPr>
             <a:spLocks noGrp="1"/>
           </p:cNvSpPr>
@@ -21505,7 +21724,7 @@
           <a:p>
             <a:fld id="{48A87A34-81AB-432B-8DAE-1953F412C126}" type="datetimeFigureOut">
               <a:rPr lang="en-US" smtClean="0"/>
-              <a:t>10/30/2023</a:t>
+              <a:t>11/2/2023</a:t>
             </a:fld>
             <a:endParaRPr lang="en-US" dirty="0"/>
           </a:p>
@@ -21513,13 +21732,7 @@
       </p:sp>
       <p:sp>
         <p:nvSpPr>
-          <p:cNvPr id="3" name="Footer Placeholder 2">
-            <a:extLst>
-              <a:ext uri="{FF2B5EF4-FFF2-40B4-BE49-F238E27FC236}">
-                <a16:creationId xmlns:a16="http://schemas.microsoft.com/office/drawing/2014/main" id="{457A8A45-A809-76F4-F702-9F7507646ACE}"/>
-              </a:ext>
-            </a:extLst>
-          </p:cNvPr>
+          <p:cNvPr id="3" name="Footer Placeholder 2"/>
           <p:cNvSpPr>
             <a:spLocks noGrp="1"/>
           </p:cNvSpPr>
@@ -21542,13 +21755,7 @@
       </p:sp>
       <p:sp>
         <p:nvSpPr>
-          <p:cNvPr id="4" name="Slide Number Placeholder 3">
-            <a:extLst>
-              <a:ext uri="{FF2B5EF4-FFF2-40B4-BE49-F238E27FC236}">
-                <a16:creationId xmlns:a16="http://schemas.microsoft.com/office/drawing/2014/main" id="{498490F7-E7C8-5C83-39E6-1FB4DE26B2B2}"/>
-              </a:ext>
-            </a:extLst>
-          </p:cNvPr>
+          <p:cNvPr id="4" name="Slide Number Placeholder 3"/>
           <p:cNvSpPr>
             <a:spLocks noGrp="1"/>
           </p:cNvSpPr>
@@ -21575,7 +21782,7 @@
           <p:cNvPr id="5" name="Freeform: Shape 4">
             <a:extLst>
               <a:ext uri="{FF2B5EF4-FFF2-40B4-BE49-F238E27FC236}">
-                <a16:creationId xmlns:a16="http://schemas.microsoft.com/office/drawing/2014/main" id="{73D86E38-C761-40B2-BFD6-3ABAC1F2CE8D}"/>
+                <a16:creationId xmlns:a16="http://schemas.microsoft.com/office/drawing/2014/main" id="{11E52B52-9CD1-B4EE-2C78-77A4E6E1F45D}"/>
               </a:ext>
               <a:ext uri="{C183D7F6-B498-43B3-948B-1728B52AA6E4}">
                 <adec:decorative xmlns:adec="http://schemas.microsoft.com/office/drawing/2017/decorative" val="1"/>
@@ -22539,7 +22746,7 @@
           <p:cNvPr id="6" name="Freeform: Shape 5">
             <a:extLst>
               <a:ext uri="{FF2B5EF4-FFF2-40B4-BE49-F238E27FC236}">
-                <a16:creationId xmlns:a16="http://schemas.microsoft.com/office/drawing/2014/main" id="{6A161638-81AC-9872-D854-D76340466DB7}"/>
+                <a16:creationId xmlns:a16="http://schemas.microsoft.com/office/drawing/2014/main" id="{6ACCEF3F-26B7-6B8F-E5FE-CCC14B38EEDE}"/>
               </a:ext>
               <a:ext uri="{C183D7F6-B498-43B3-948B-1728B52AA6E4}">
                 <adec:decorative xmlns:adec="http://schemas.microsoft.com/office/drawing/2017/decorative" val="1"/>
@@ -23501,7 +23708,7 @@
     </p:spTree>
     <p:extLst>
       <p:ext uri="{BB962C8B-B14F-4D97-AF65-F5344CB8AC3E}">
-        <p14:creationId xmlns:p14="http://schemas.microsoft.com/office/powerpoint/2010/main" val="3013150623"/>
+        <p14:creationId xmlns:p14="http://schemas.microsoft.com/office/powerpoint/2010/main" val="193239304"/>
       </p:ext>
     </p:extLst>
   </p:cSld>
@@ -23530,13 +23737,7 @@
       </p:grpSpPr>
       <p:sp>
         <p:nvSpPr>
-          <p:cNvPr id="2" name="Title 1">
-            <a:extLst>
-              <a:ext uri="{FF2B5EF4-FFF2-40B4-BE49-F238E27FC236}">
-                <a16:creationId xmlns:a16="http://schemas.microsoft.com/office/drawing/2014/main" id="{13004EC6-5216-089B-ED77-A033575EA525}"/>
-              </a:ext>
-            </a:extLst>
-          </p:cNvPr>
+          <p:cNvPr id="2" name="Title 1"/>
           <p:cNvSpPr>
             <a:spLocks noGrp="1"/>
           </p:cNvSpPr>
@@ -23546,15 +23747,20 @@
         </p:nvSpPr>
         <p:spPr>
           <a:xfrm>
-            <a:off x="839788" y="457200"/>
-            <a:ext cx="3932237" cy="1600200"/>
+            <a:off x="1143000" y="1097280"/>
+            <a:ext cx="3931920" cy="1737360"/>
           </a:xfrm>
         </p:spPr>
         <p:txBody>
-          <a:bodyPr anchor="b"/>
+          <a:bodyPr anchor="b">
+            <a:noAutofit/>
+          </a:bodyPr>
           <a:lstStyle>
             <a:lvl1pPr>
-              <a:defRPr sz="3200"/>
+              <a:lnSpc>
+                <a:spcPct val="90000"/>
+              </a:lnSpc>
+              <a:defRPr sz="4000" b="0"/>
             </a:lvl1pPr>
           </a:lstStyle>
           <a:p>
@@ -23562,18 +23768,13 @@
               <a:rPr lang="en-US"/>
               <a:t>Click to edit Master title style</a:t>
             </a:r>
+            <a:endParaRPr lang="en-US" dirty="0"/>
           </a:p>
         </p:txBody>
       </p:sp>
       <p:sp>
         <p:nvSpPr>
-          <p:cNvPr id="3" name="Content Placeholder 2">
-            <a:extLst>
-              <a:ext uri="{FF2B5EF4-FFF2-40B4-BE49-F238E27FC236}">
-                <a16:creationId xmlns:a16="http://schemas.microsoft.com/office/drawing/2014/main" id="{E1592A82-2406-43B9-C2D9-46D02B6D6BED}"/>
-              </a:ext>
-            </a:extLst>
-          </p:cNvPr>
+          <p:cNvPr id="3" name="Content Placeholder 2"/>
           <p:cNvSpPr>
             <a:spLocks noGrp="1"/>
           </p:cNvSpPr>
@@ -23583,8 +23784,8 @@
         </p:nvSpPr>
         <p:spPr>
           <a:xfrm>
-            <a:off x="5183188" y="987425"/>
-            <a:ext cx="6172200" cy="4873625"/>
+            <a:off x="5852159" y="1097280"/>
+            <a:ext cx="5212080" cy="4663440"/>
           </a:xfrm>
         </p:spPr>
         <p:txBody>
@@ -23652,18 +23853,13 @@
               <a:rPr lang="en-US"/>
               <a:t>Fifth level</a:t>
             </a:r>
+            <a:endParaRPr lang="en-US" dirty="0"/>
           </a:p>
         </p:txBody>
       </p:sp>
       <p:sp>
         <p:nvSpPr>
-          <p:cNvPr id="4" name="Text Placeholder 3">
-            <a:extLst>
-              <a:ext uri="{FF2B5EF4-FFF2-40B4-BE49-F238E27FC236}">
-                <a16:creationId xmlns:a16="http://schemas.microsoft.com/office/drawing/2014/main" id="{698F5894-BED2-1909-1997-118E06CA046F}"/>
-              </a:ext>
-            </a:extLst>
-          </p:cNvPr>
+          <p:cNvPr id="4" name="Text Placeholder 3"/>
           <p:cNvSpPr>
             <a:spLocks noGrp="1"/>
           </p:cNvSpPr>
@@ -23673,48 +23869,56 @@
         </p:nvSpPr>
         <p:spPr>
           <a:xfrm>
-            <a:off x="839788" y="2057400"/>
-            <a:ext cx="3932237" cy="3811588"/>
+            <a:off x="1143000" y="2834640"/>
+            <a:ext cx="3931920" cy="3017520"/>
           </a:xfrm>
         </p:spPr>
         <p:txBody>
-          <a:bodyPr/>
+          <a:bodyPr>
+            <a:normAutofit/>
+          </a:bodyPr>
           <a:lstStyle>
             <a:lvl1pPr marL="0" indent="0">
+              <a:lnSpc>
+                <a:spcPct val="100000"/>
+              </a:lnSpc>
+              <a:spcBef>
+                <a:spcPts val="1000"/>
+              </a:spcBef>
               <a:buNone/>
-              <a:defRPr sz="1600"/>
+              <a:defRPr sz="1700"/>
             </a:lvl1pPr>
             <a:lvl2pPr marL="457200" indent="0">
               <a:buNone/>
-              <a:defRPr sz="1400"/>
+              <a:defRPr sz="1200"/>
             </a:lvl2pPr>
             <a:lvl3pPr marL="914400" indent="0">
               <a:buNone/>
-              <a:defRPr sz="1200"/>
+              <a:defRPr sz="1000"/>
             </a:lvl3pPr>
             <a:lvl4pPr marL="1371600" indent="0">
               <a:buNone/>
-              <a:defRPr sz="1000"/>
+              <a:defRPr sz="900"/>
             </a:lvl4pPr>
             <a:lvl5pPr marL="1828800" indent="0">
               <a:buNone/>
-              <a:defRPr sz="1000"/>
+              <a:defRPr sz="900"/>
             </a:lvl5pPr>
             <a:lvl6pPr marL="2286000" indent="0">
               <a:buNone/>
-              <a:defRPr sz="1000"/>
+              <a:defRPr sz="900"/>
             </a:lvl6pPr>
             <a:lvl7pPr marL="2743200" indent="0">
               <a:buNone/>
-              <a:defRPr sz="1000"/>
+              <a:defRPr sz="900"/>
             </a:lvl7pPr>
             <a:lvl8pPr marL="3200400" indent="0">
               <a:buNone/>
-              <a:defRPr sz="1000"/>
+              <a:defRPr sz="900"/>
             </a:lvl8pPr>
             <a:lvl9pPr marL="3657600" indent="0">
               <a:buNone/>
-              <a:defRPr sz="1000"/>
+              <a:defRPr sz="900"/>
             </a:lvl9pPr>
           </a:lstStyle>
           <a:p>
@@ -23728,13 +23932,7 @@
       </p:sp>
       <p:sp>
         <p:nvSpPr>
-          <p:cNvPr id="5" name="Date Placeholder 4">
-            <a:extLst>
-              <a:ext uri="{FF2B5EF4-FFF2-40B4-BE49-F238E27FC236}">
-                <a16:creationId xmlns:a16="http://schemas.microsoft.com/office/drawing/2014/main" id="{A68A73BC-5F1A-A28A-6123-057C40ED006E}"/>
-              </a:ext>
-            </a:extLst>
-          </p:cNvPr>
+          <p:cNvPr id="5" name="Date Placeholder 4"/>
           <p:cNvSpPr>
             <a:spLocks noGrp="1"/>
           </p:cNvSpPr>
@@ -23749,7 +23947,7 @@
           <a:p>
             <a:fld id="{48A87A34-81AB-432B-8DAE-1953F412C126}" type="datetimeFigureOut">
               <a:rPr lang="en-US" smtClean="0"/>
-              <a:t>10/30/2023</a:t>
+              <a:t>11/2/2023</a:t>
             </a:fld>
             <a:endParaRPr lang="en-US" dirty="0"/>
           </a:p>
@@ -23757,13 +23955,7 @@
       </p:sp>
       <p:sp>
         <p:nvSpPr>
-          <p:cNvPr id="6" name="Footer Placeholder 5">
-            <a:extLst>
-              <a:ext uri="{FF2B5EF4-FFF2-40B4-BE49-F238E27FC236}">
-                <a16:creationId xmlns:a16="http://schemas.microsoft.com/office/drawing/2014/main" id="{59649728-6147-5143-188D-47E35DA14854}"/>
-              </a:ext>
-            </a:extLst>
-          </p:cNvPr>
+          <p:cNvPr id="6" name="Footer Placeholder 5"/>
           <p:cNvSpPr>
             <a:spLocks noGrp="1"/>
           </p:cNvSpPr>
@@ -23786,13 +23978,7 @@
       </p:sp>
       <p:sp>
         <p:nvSpPr>
-          <p:cNvPr id="7" name="Slide Number Placeholder 6">
-            <a:extLst>
-              <a:ext uri="{FF2B5EF4-FFF2-40B4-BE49-F238E27FC236}">
-                <a16:creationId xmlns:a16="http://schemas.microsoft.com/office/drawing/2014/main" id="{B5CB72F1-0272-9C65-6679-938735A44775}"/>
-              </a:ext>
-            </a:extLst>
-          </p:cNvPr>
+          <p:cNvPr id="7" name="Slide Number Placeholder 6"/>
           <p:cNvSpPr>
             <a:spLocks noGrp="1"/>
           </p:cNvSpPr>
@@ -23819,7 +24005,7 @@
           <p:cNvPr id="8" name="Freeform: Shape 7">
             <a:extLst>
               <a:ext uri="{FF2B5EF4-FFF2-40B4-BE49-F238E27FC236}">
-                <a16:creationId xmlns:a16="http://schemas.microsoft.com/office/drawing/2014/main" id="{EFA6EC3A-209D-319A-8CC1-2F1739828185}"/>
+                <a16:creationId xmlns:a16="http://schemas.microsoft.com/office/drawing/2014/main" id="{163FD3F6-4A6F-5097-61C1-356DD1B370F9}"/>
               </a:ext>
               <a:ext uri="{C183D7F6-B498-43B3-948B-1728B52AA6E4}">
                 <adec:decorative xmlns:adec="http://schemas.microsoft.com/office/drawing/2017/decorative" val="1"/>
@@ -24781,7 +24967,7 @@
     </p:spTree>
     <p:extLst>
       <p:ext uri="{BB962C8B-B14F-4D97-AF65-F5344CB8AC3E}">
-        <p14:creationId xmlns:p14="http://schemas.microsoft.com/office/powerpoint/2010/main" val="651418514"/>
+        <p14:creationId xmlns:p14="http://schemas.microsoft.com/office/powerpoint/2010/main" val="3319814604"/>
       </p:ext>
     </p:extLst>
   </p:cSld>
@@ -24810,13 +24996,7 @@
       </p:grpSpPr>
       <p:sp>
         <p:nvSpPr>
-          <p:cNvPr id="2" name="Title 1">
-            <a:extLst>
-              <a:ext uri="{FF2B5EF4-FFF2-40B4-BE49-F238E27FC236}">
-                <a16:creationId xmlns:a16="http://schemas.microsoft.com/office/drawing/2014/main" id="{71AFEA5D-D97D-D2A5-7BB6-C8C6C99B3969}"/>
-              </a:ext>
-            </a:extLst>
-          </p:cNvPr>
+          <p:cNvPr id="2" name="Title 1"/>
           <p:cNvSpPr>
             <a:spLocks noGrp="1"/>
           </p:cNvSpPr>
@@ -24826,15 +25006,20 @@
         </p:nvSpPr>
         <p:spPr>
           <a:xfrm>
-            <a:off x="839788" y="457200"/>
-            <a:ext cx="3932237" cy="1600200"/>
+            <a:off x="1143000" y="1097280"/>
+            <a:ext cx="3931920" cy="1737360"/>
           </a:xfrm>
         </p:spPr>
         <p:txBody>
-          <a:bodyPr anchor="b"/>
+          <a:bodyPr anchor="b">
+            <a:noAutofit/>
+          </a:bodyPr>
           <a:lstStyle>
             <a:lvl1pPr>
-              <a:defRPr sz="3200"/>
+              <a:lnSpc>
+                <a:spcPct val="90000"/>
+              </a:lnSpc>
+              <a:defRPr sz="4000" b="0"/>
             </a:lvl1pPr>
           </a:lstStyle>
           <a:p>
@@ -24842,20 +25027,15 @@
               <a:rPr lang="en-US"/>
               <a:t>Click to edit Master title style</a:t>
             </a:r>
+            <a:endParaRPr lang="en-US" dirty="0"/>
           </a:p>
         </p:txBody>
       </p:sp>
       <p:sp>
         <p:nvSpPr>
-          <p:cNvPr id="3" name="Picture Placeholder 2">
-            <a:extLst>
-              <a:ext uri="{FF2B5EF4-FFF2-40B4-BE49-F238E27FC236}">
-                <a16:creationId xmlns:a16="http://schemas.microsoft.com/office/drawing/2014/main" id="{7ADE1693-B197-9F09-B193-94DFFF3C792B}"/>
-              </a:ext>
-            </a:extLst>
-          </p:cNvPr>
+          <p:cNvPr id="3" name="Picture Placeholder 2"/>
           <p:cNvSpPr>
-            <a:spLocks noGrp="1"/>
+            <a:spLocks noGrp="1" noChangeAspect="1"/>
           </p:cNvSpPr>
           <p:nvPr>
             <p:ph type="pic" idx="1"/>
@@ -24863,16 +25043,18 @@
         </p:nvSpPr>
         <p:spPr>
           <a:xfrm>
-            <a:off x="5183188" y="987425"/>
-            <a:ext cx="6172200" cy="4873625"/>
+            <a:off x="5413248" y="1069847"/>
+            <a:ext cx="6099048" cy="4800600"/>
           </a:xfrm>
         </p:spPr>
         <p:txBody>
-          <a:bodyPr/>
+          <a:bodyPr lIns="274320" tIns="182880" anchor="t">
+            <a:normAutofit/>
+          </a:bodyPr>
           <a:lstStyle>
             <a:lvl1pPr marL="0" indent="0">
               <a:buNone/>
-              <a:defRPr sz="3200"/>
+              <a:defRPr sz="2800"/>
             </a:lvl1pPr>
             <a:lvl2pPr marL="457200" indent="0">
               <a:buNone/>
@@ -24908,19 +25090,17 @@
             </a:lvl9pPr>
           </a:lstStyle>
           <a:p>
-            <a:endParaRPr lang="en-US"/>
+            <a:r>
+              <a:rPr lang="en-US"/>
+              <a:t>Click icon to add picture</a:t>
+            </a:r>
+            <a:endParaRPr lang="en-US" dirty="0"/>
           </a:p>
         </p:txBody>
       </p:sp>
       <p:sp>
         <p:nvSpPr>
-          <p:cNvPr id="4" name="Text Placeholder 3">
-            <a:extLst>
-              <a:ext uri="{FF2B5EF4-FFF2-40B4-BE49-F238E27FC236}">
-                <a16:creationId xmlns:a16="http://schemas.microsoft.com/office/drawing/2014/main" id="{F062B358-72F8-F209-0622-0631F555038E}"/>
-              </a:ext>
-            </a:extLst>
-          </p:cNvPr>
+          <p:cNvPr id="4" name="Text Placeholder 3"/>
           <p:cNvSpPr>
             <a:spLocks noGrp="1"/>
           </p:cNvSpPr>
@@ -24930,48 +25110,56 @@
         </p:nvSpPr>
         <p:spPr>
           <a:xfrm>
-            <a:off x="839788" y="2057400"/>
-            <a:ext cx="3932237" cy="3811588"/>
+            <a:off x="1143000" y="2834640"/>
+            <a:ext cx="3931920" cy="2880360"/>
           </a:xfrm>
         </p:spPr>
         <p:txBody>
-          <a:bodyPr/>
+          <a:bodyPr>
+            <a:normAutofit/>
+          </a:bodyPr>
           <a:lstStyle>
             <a:lvl1pPr marL="0" indent="0">
+              <a:lnSpc>
+                <a:spcPct val="100000"/>
+              </a:lnSpc>
+              <a:spcBef>
+                <a:spcPts val="1000"/>
+              </a:spcBef>
               <a:buNone/>
-              <a:defRPr sz="1600"/>
+              <a:defRPr sz="1700"/>
             </a:lvl1pPr>
             <a:lvl2pPr marL="457200" indent="0">
               <a:buNone/>
-              <a:defRPr sz="1400"/>
+              <a:defRPr sz="1200"/>
             </a:lvl2pPr>
             <a:lvl3pPr marL="914400" indent="0">
               <a:buNone/>
-              <a:defRPr sz="1200"/>
+              <a:defRPr sz="1000"/>
             </a:lvl3pPr>
             <a:lvl4pPr marL="1371600" indent="0">
               <a:buNone/>
-              <a:defRPr sz="1000"/>
+              <a:defRPr sz="900"/>
             </a:lvl4pPr>
             <a:lvl5pPr marL="1828800" indent="0">
               <a:buNone/>
-              <a:defRPr sz="1000"/>
+              <a:defRPr sz="900"/>
             </a:lvl5pPr>
             <a:lvl6pPr marL="2286000" indent="0">
               <a:buNone/>
-              <a:defRPr sz="1000"/>
+              <a:defRPr sz="900"/>
             </a:lvl6pPr>
             <a:lvl7pPr marL="2743200" indent="0">
               <a:buNone/>
-              <a:defRPr sz="1000"/>
+              <a:defRPr sz="900"/>
             </a:lvl7pPr>
             <a:lvl8pPr marL="3200400" indent="0">
               <a:buNone/>
-              <a:defRPr sz="1000"/>
+              <a:defRPr sz="900"/>
             </a:lvl8pPr>
             <a:lvl9pPr marL="3657600" indent="0">
               <a:buNone/>
-              <a:defRPr sz="1000"/>
+              <a:defRPr sz="900"/>
             </a:lvl9pPr>
           </a:lstStyle>
           <a:p>
@@ -24985,13 +25173,7 @@
       </p:sp>
       <p:sp>
         <p:nvSpPr>
-          <p:cNvPr id="5" name="Date Placeholder 4">
-            <a:extLst>
-              <a:ext uri="{FF2B5EF4-FFF2-40B4-BE49-F238E27FC236}">
-                <a16:creationId xmlns:a16="http://schemas.microsoft.com/office/drawing/2014/main" id="{B6F2C848-F5C6-AD3B-30F0-52C2D4869FFA}"/>
-              </a:ext>
-            </a:extLst>
-          </p:cNvPr>
+          <p:cNvPr id="5" name="Date Placeholder 4"/>
           <p:cNvSpPr>
             <a:spLocks noGrp="1"/>
           </p:cNvSpPr>
@@ -25007,7 +25189,7 @@
             <a:fld id="{48A87A34-81AB-432B-8DAE-1953F412C126}" type="datetimeFigureOut">
               <a:rPr lang="en-US" smtClean="0"/>
               <a:pPr/>
-              <a:t>10/30/2023</a:t>
+              <a:t>11/2/2023</a:t>
             </a:fld>
             <a:endParaRPr lang="en-US" dirty="0"/>
           </a:p>
@@ -25015,13 +25197,7 @@
       </p:sp>
       <p:sp>
         <p:nvSpPr>
-          <p:cNvPr id="6" name="Footer Placeholder 5">
-            <a:extLst>
-              <a:ext uri="{FF2B5EF4-FFF2-40B4-BE49-F238E27FC236}">
-                <a16:creationId xmlns:a16="http://schemas.microsoft.com/office/drawing/2014/main" id="{F332F4F0-9308-1ABF-D89B-ED15B00C6085}"/>
-              </a:ext>
-            </a:extLst>
-          </p:cNvPr>
+          <p:cNvPr id="6" name="Footer Placeholder 5"/>
           <p:cNvSpPr>
             <a:spLocks noGrp="1"/>
           </p:cNvSpPr>
@@ -25044,13 +25220,7 @@
       </p:sp>
       <p:sp>
         <p:nvSpPr>
-          <p:cNvPr id="7" name="Slide Number Placeholder 6">
-            <a:extLst>
-              <a:ext uri="{FF2B5EF4-FFF2-40B4-BE49-F238E27FC236}">
-                <a16:creationId xmlns:a16="http://schemas.microsoft.com/office/drawing/2014/main" id="{337557EE-6D78-014F-1C8A-43C960B133B8}"/>
-              </a:ext>
-            </a:extLst>
-          </p:cNvPr>
+          <p:cNvPr id="7" name="Slide Number Placeholder 6"/>
           <p:cNvSpPr>
             <a:spLocks noGrp="1"/>
           </p:cNvSpPr>
@@ -25077,7 +25247,7 @@
           <p:cNvPr id="8" name="Freeform: Shape 7">
             <a:extLst>
               <a:ext uri="{FF2B5EF4-FFF2-40B4-BE49-F238E27FC236}">
-                <a16:creationId xmlns:a16="http://schemas.microsoft.com/office/drawing/2014/main" id="{5BF02FCF-6E9E-9552-9AE5-A33CCF6F639F}"/>
+                <a16:creationId xmlns:a16="http://schemas.microsoft.com/office/drawing/2014/main" id="{99119250-0272-D45F-8B1B-B14EDD3E0F5F}"/>
               </a:ext>
               <a:ext uri="{C183D7F6-B498-43B3-948B-1728B52AA6E4}">
                 <adec:decorative xmlns:adec="http://schemas.microsoft.com/office/drawing/2017/decorative" val="1"/>
@@ -26039,7 +26209,7 @@
     </p:spTree>
     <p:extLst>
       <p:ext uri="{BB962C8B-B14F-4D97-AF65-F5344CB8AC3E}">
-        <p14:creationId xmlns:p14="http://schemas.microsoft.com/office/powerpoint/2010/main" val="3925837897"/>
+        <p14:creationId xmlns:p14="http://schemas.microsoft.com/office/powerpoint/2010/main" val="458381522"/>
       </p:ext>
     </p:extLst>
   </p:cSld>
@@ -26053,9 +26223,12 @@
 <p:sldMaster xmlns:a="http://schemas.openxmlformats.org/drawingml/2006/main" xmlns:r="http://schemas.openxmlformats.org/officeDocument/2006/relationships" xmlns:p="http://schemas.openxmlformats.org/presentationml/2006/main">
   <p:cSld>
     <p:bg>
-      <p:bgRef idx="1001">
-        <a:schemeClr val="bg1"/>
-      </p:bgRef>
+      <p:bgPr>
+        <a:solidFill>
+          <a:schemeClr val="accent1"/>
+        </a:solidFill>
+        <a:effectLst/>
+      </p:bgPr>
     </p:bg>
     <p:spTree>
       <p:nvGrpSpPr>
@@ -26073,13 +26246,47 @@
       </p:grpSpPr>
       <p:sp>
         <p:nvSpPr>
-          <p:cNvPr id="2" name="Title Placeholder 1">
-            <a:extLst>
-              <a:ext uri="{FF2B5EF4-FFF2-40B4-BE49-F238E27FC236}">
-                <a16:creationId xmlns:a16="http://schemas.microsoft.com/office/drawing/2014/main" id="{C352CE34-33C6-9D28-250C-A581E648BA21}"/>
-              </a:ext>
-            </a:extLst>
-          </p:cNvPr>
+          <p:cNvPr id="7" name="Rectangle 6"/>
+          <p:cNvSpPr>
+            <a:spLocks noChangeAspect="1"/>
+          </p:cNvSpPr>
+          <p:nvPr/>
+        </p:nvSpPr>
+        <p:spPr>
+          <a:xfrm>
+            <a:off x="231140" y="243840"/>
+            <a:ext cx="11724640" cy="6377939"/>
+          </a:xfrm>
+          <a:prstGeom prst="rect">
+            <a:avLst/>
+          </a:prstGeom>
+          <a:solidFill>
+            <a:schemeClr val="bg1"/>
+          </a:solidFill>
+          <a:ln w="12700">
+            <a:noFill/>
+          </a:ln>
+        </p:spPr>
+        <p:style>
+          <a:lnRef idx="2">
+            <a:schemeClr val="accent1">
+              <a:shade val="50000"/>
+            </a:schemeClr>
+          </a:lnRef>
+          <a:fillRef idx="1">
+            <a:schemeClr val="accent1"/>
+          </a:fillRef>
+          <a:effectRef idx="0">
+            <a:schemeClr val="accent1"/>
+          </a:effectRef>
+          <a:fontRef idx="minor">
+            <a:schemeClr val="lt1"/>
+          </a:fontRef>
+        </p:style>
+      </p:sp>
+      <p:sp>
+        <p:nvSpPr>
+          <p:cNvPr id="2" name="Title Placeholder 1"/>
           <p:cNvSpPr>
             <a:spLocks noGrp="1"/>
           </p:cNvSpPr>
@@ -26089,8 +26296,8 @@
         </p:nvSpPr>
         <p:spPr>
           <a:xfrm>
-            <a:off x="838200" y="365125"/>
-            <a:ext cx="10515600" cy="1325563"/>
+            <a:off x="1143000" y="609600"/>
+            <a:ext cx="9875520" cy="1356360"/>
           </a:xfrm>
           <a:prstGeom prst="rect">
             <a:avLst/>
@@ -26106,18 +26313,13 @@
               <a:rPr lang="en-US"/>
               <a:t>Click to edit Master title style</a:t>
             </a:r>
+            <a:endParaRPr lang="en-US" dirty="0"/>
           </a:p>
         </p:txBody>
       </p:sp>
       <p:sp>
         <p:nvSpPr>
-          <p:cNvPr id="3" name="Text Placeholder 2">
-            <a:extLst>
-              <a:ext uri="{FF2B5EF4-FFF2-40B4-BE49-F238E27FC236}">
-                <a16:creationId xmlns:a16="http://schemas.microsoft.com/office/drawing/2014/main" id="{1391CD64-861D-FDB0-19CD-07C6CD941BD7}"/>
-              </a:ext>
-            </a:extLst>
-          </p:cNvPr>
+          <p:cNvPr id="3" name="Text Placeholder 2"/>
           <p:cNvSpPr>
             <a:spLocks noGrp="1"/>
           </p:cNvSpPr>
@@ -26127,8 +26329,8 @@
         </p:nvSpPr>
         <p:spPr>
           <a:xfrm>
-            <a:off x="838200" y="1825625"/>
-            <a:ext cx="10515600" cy="4351338"/>
+            <a:off x="1143000" y="2057400"/>
+            <a:ext cx="9872871" cy="4038600"/>
           </a:xfrm>
           <a:prstGeom prst="rect">
             <a:avLst/>
@@ -26173,18 +26375,13 @@
               <a:rPr lang="en-US"/>
               <a:t>Fifth level</a:t>
             </a:r>
+            <a:endParaRPr lang="en-US" dirty="0"/>
           </a:p>
         </p:txBody>
       </p:sp>
       <p:sp>
         <p:nvSpPr>
-          <p:cNvPr id="4" name="Date Placeholder 3">
-            <a:extLst>
-              <a:ext uri="{FF2B5EF4-FFF2-40B4-BE49-F238E27FC236}">
-                <a16:creationId xmlns:a16="http://schemas.microsoft.com/office/drawing/2014/main" id="{E36C15F8-4571-40D1-87CE-0FE715E171A0}"/>
-              </a:ext>
-            </a:extLst>
-          </p:cNvPr>
+          <p:cNvPr id="4" name="Date Placeholder 3"/>
           <p:cNvSpPr>
             <a:spLocks noGrp="1"/>
           </p:cNvSpPr>
@@ -26194,8 +26391,8 @@
         </p:nvSpPr>
         <p:spPr>
           <a:xfrm>
-            <a:off x="838200" y="6356350"/>
-            <a:ext cx="2743200" cy="365125"/>
+            <a:off x="1142996" y="6223828"/>
+            <a:ext cx="2329074" cy="365125"/>
           </a:xfrm>
           <a:prstGeom prst="rect">
             <a:avLst/>
@@ -26207,9 +26404,7 @@
             <a:lvl1pPr algn="l">
               <a:defRPr sz="1200">
                 <a:solidFill>
-                  <a:schemeClr val="tx1">
-                    <a:tint val="75000"/>
-                  </a:schemeClr>
+                  <a:schemeClr val="accent1"/>
                 </a:solidFill>
               </a:defRPr>
             </a:lvl1pPr>
@@ -26218,7 +26413,7 @@
             <a:fld id="{48A87A34-81AB-432B-8DAE-1953F412C126}" type="datetimeFigureOut">
               <a:rPr lang="en-US" smtClean="0"/>
               <a:pPr/>
-              <a:t>10/30/2023</a:t>
+              <a:t>11/2/2023</a:t>
             </a:fld>
             <a:endParaRPr lang="en-US" dirty="0"/>
           </a:p>
@@ -26226,13 +26421,7 @@
       </p:sp>
       <p:sp>
         <p:nvSpPr>
-          <p:cNvPr id="5" name="Footer Placeholder 4">
-            <a:extLst>
-              <a:ext uri="{FF2B5EF4-FFF2-40B4-BE49-F238E27FC236}">
-                <a16:creationId xmlns:a16="http://schemas.microsoft.com/office/drawing/2014/main" id="{66AAC859-B973-1FEF-B280-A691F382456B}"/>
-              </a:ext>
-            </a:extLst>
-          </p:cNvPr>
+          <p:cNvPr id="5" name="Footer Placeholder 4"/>
           <p:cNvSpPr>
             <a:spLocks noGrp="1"/>
           </p:cNvSpPr>
@@ -26242,8 +26431,8 @@
         </p:nvSpPr>
         <p:spPr>
           <a:xfrm>
-            <a:off x="4038600" y="6356350"/>
-            <a:ext cx="4114800" cy="365125"/>
+            <a:off x="3949148" y="6223828"/>
+            <a:ext cx="4717774" cy="365125"/>
           </a:xfrm>
           <a:prstGeom prst="rect">
             <a:avLst/>
@@ -26255,9 +26444,7 @@
             <a:lvl1pPr algn="ctr">
               <a:defRPr sz="1200">
                 <a:solidFill>
-                  <a:schemeClr val="tx1">
-                    <a:tint val="75000"/>
-                  </a:schemeClr>
+                  <a:schemeClr val="accent1"/>
                 </a:solidFill>
               </a:defRPr>
             </a:lvl1pPr>
@@ -26273,13 +26460,7 @@
       </p:sp>
       <p:sp>
         <p:nvSpPr>
-          <p:cNvPr id="6" name="Slide Number Placeholder 5">
-            <a:extLst>
-              <a:ext uri="{FF2B5EF4-FFF2-40B4-BE49-F238E27FC236}">
-                <a16:creationId xmlns:a16="http://schemas.microsoft.com/office/drawing/2014/main" id="{7867FCB7-46F9-AE27-1AA6-DB461C4541F0}"/>
-              </a:ext>
-            </a:extLst>
-          </p:cNvPr>
+          <p:cNvPr id="6" name="Slide Number Placeholder 5"/>
           <p:cNvSpPr>
             <a:spLocks noGrp="1"/>
           </p:cNvSpPr>
@@ -26289,8 +26470,8 @@
         </p:nvSpPr>
         <p:spPr>
           <a:xfrm>
-            <a:off x="8610600" y="6356350"/>
-            <a:ext cx="2743200" cy="365125"/>
+            <a:off x="9329530" y="6223828"/>
+            <a:ext cx="1706217" cy="365125"/>
           </a:xfrm>
           <a:prstGeom prst="rect">
             <a:avLst/>
@@ -26302,9 +26483,7 @@
             <a:lvl1pPr algn="r">
               <a:defRPr sz="1200">
                 <a:solidFill>
-                  <a:schemeClr val="tx1">
-                    <a:tint val="75000"/>
-                  </a:schemeClr>
+                  <a:schemeClr val="accent1"/>
                 </a:solidFill>
               </a:defRPr>
             </a:lvl1pPr>
@@ -26322,27 +26501,27 @@
     </p:spTree>
     <p:extLst>
       <p:ext uri="{BB962C8B-B14F-4D97-AF65-F5344CB8AC3E}">
-        <p14:creationId xmlns:p14="http://schemas.microsoft.com/office/powerpoint/2010/main" val="1023674922"/>
+        <p14:creationId xmlns:p14="http://schemas.microsoft.com/office/powerpoint/2010/main" val="3639422055"/>
       </p:ext>
     </p:extLst>
   </p:cSld>
   <p:clrMap bg1="lt1" tx1="dk1" bg2="lt2" tx2="dk2" accent1="accent1" accent2="accent2" accent3="accent3" accent4="accent4" accent5="accent5" accent6="accent6" hlink="hlink" folHlink="folHlink"/>
   <p:sldLayoutIdLst>
-    <p:sldLayoutId id="2147483715" r:id="rId1"/>
-    <p:sldLayoutId id="2147483716" r:id="rId2"/>
-    <p:sldLayoutId id="2147483717" r:id="rId3"/>
-    <p:sldLayoutId id="2147483718" r:id="rId4"/>
-    <p:sldLayoutId id="2147483719" r:id="rId5"/>
-    <p:sldLayoutId id="2147483720" r:id="rId6"/>
-    <p:sldLayoutId id="2147483721" r:id="rId7"/>
-    <p:sldLayoutId id="2147483722" r:id="rId8"/>
-    <p:sldLayoutId id="2147483723" r:id="rId9"/>
-    <p:sldLayoutId id="2147483724" r:id="rId10"/>
-    <p:sldLayoutId id="2147483725" r:id="rId11"/>
-    <p:sldLayoutId id="2147483726" r:id="rId12"/>
-    <p:sldLayoutId id="2147483727" r:id="rId13"/>
-    <p:sldLayoutId id="2147483728" r:id="rId14"/>
-    <p:sldLayoutId id="2147483729" r:id="rId15"/>
+    <p:sldLayoutId id="2147483747" r:id="rId1"/>
+    <p:sldLayoutId id="2147483748" r:id="rId2"/>
+    <p:sldLayoutId id="2147483749" r:id="rId3"/>
+    <p:sldLayoutId id="2147483750" r:id="rId4"/>
+    <p:sldLayoutId id="2147483751" r:id="rId5"/>
+    <p:sldLayoutId id="2147483752" r:id="rId6"/>
+    <p:sldLayoutId id="2147483753" r:id="rId7"/>
+    <p:sldLayoutId id="2147483754" r:id="rId8"/>
+    <p:sldLayoutId id="2147483755" r:id="rId9"/>
+    <p:sldLayoutId id="2147483756" r:id="rId10"/>
+    <p:sldLayoutId id="2147483757" r:id="rId11"/>
+    <p:sldLayoutId id="2147483758" r:id="rId12"/>
+    <p:sldLayoutId id="2147483759" r:id="rId13"/>
+    <p:sldLayoutId id="2147483760" r:id="rId14"/>
+    <p:sldLayoutId id="2147483761" r:id="rId15"/>
     <p:sldLayoutId id="2147483664" r:id="rId16"/>
     <p:sldLayoutId id="2147483673" r:id="rId17"/>
     <p:sldLayoutId id="2147483670" r:id="rId18"/>
@@ -26364,7 +26543,7 @@
         <a:buNone/>
         <a:defRPr sz="4400" kern="1200">
           <a:solidFill>
-            <a:schemeClr val="tx1"/>
+            <a:schemeClr val="accent1"/>
           </a:solidFill>
           <a:latin typeface="+mj-lt"/>
           <a:ea typeface="+mj-ea"/>
@@ -26373,162 +26552,222 @@
       </a:lvl1pPr>
     </p:titleStyle>
     <p:bodyStyle>
-      <a:lvl1pPr marL="228600" indent="-228600" algn="l" defTabSz="914400" rtl="0" eaLnBrk="1" latinLnBrk="0" hangingPunct="1">
+      <a:lvl1pPr marL="228600" indent="-182880" algn="l" defTabSz="914400" rtl="0" eaLnBrk="1" latinLnBrk="0" hangingPunct="1">
         <a:lnSpc>
           <a:spcPct val="90000"/>
         </a:lnSpc>
         <a:spcBef>
-          <a:spcPts val="1000"/>
+          <a:spcPts val="1400"/>
         </a:spcBef>
-        <a:buFont typeface="Arial" panose="020B0604020202020204" pitchFamily="34" charset="0"/>
+        <a:buClr>
+          <a:schemeClr val="accent1"/>
+        </a:buClr>
+        <a:buSzPct val="80000"/>
+        <a:buFont typeface="Corbel" pitchFamily="34" charset="0"/>
         <a:buChar char="•"/>
-        <a:defRPr sz="2800" kern="1200">
+        <a:defRPr sz="2200" kern="1200">
           <a:solidFill>
-            <a:schemeClr val="tx1"/>
+            <a:schemeClr val="accent1"/>
           </a:solidFill>
           <a:latin typeface="+mn-lt"/>
           <a:ea typeface="+mn-ea"/>
           <a:cs typeface="+mn-cs"/>
         </a:defRPr>
       </a:lvl1pPr>
-      <a:lvl2pPr marL="685800" indent="-228600" algn="l" defTabSz="914400" rtl="0" eaLnBrk="1" latinLnBrk="0" hangingPunct="1">
+      <a:lvl2pPr marL="457200" indent="-182880" algn="l" defTabSz="914400" rtl="0" eaLnBrk="1" latinLnBrk="0" hangingPunct="1">
         <a:lnSpc>
           <a:spcPct val="90000"/>
         </a:lnSpc>
         <a:spcBef>
-          <a:spcPts val="500"/>
+          <a:spcPts val="200"/>
         </a:spcBef>
-        <a:buFont typeface="Arial" panose="020B0604020202020204" pitchFamily="34" charset="0"/>
+        <a:spcAft>
+          <a:spcPts val="400"/>
+        </a:spcAft>
+        <a:buClr>
+          <a:schemeClr val="accent1"/>
+        </a:buClr>
+        <a:buSzPct val="80000"/>
+        <a:buFont typeface="Corbel" pitchFamily="34" charset="0"/>
         <a:buChar char="•"/>
-        <a:defRPr sz="2400" kern="1200">
+        <a:defRPr sz="2000" kern="1200">
           <a:solidFill>
-            <a:schemeClr val="tx1"/>
+            <a:schemeClr val="accent1"/>
           </a:solidFill>
           <a:latin typeface="+mn-lt"/>
           <a:ea typeface="+mn-ea"/>
           <a:cs typeface="+mn-cs"/>
         </a:defRPr>
       </a:lvl2pPr>
-      <a:lvl3pPr marL="1143000" indent="-228600" algn="l" defTabSz="914400" rtl="0" eaLnBrk="1" latinLnBrk="0" hangingPunct="1">
+      <a:lvl3pPr marL="731520" indent="-182880" algn="l" defTabSz="914400" rtl="0" eaLnBrk="1" latinLnBrk="0" hangingPunct="1">
         <a:lnSpc>
           <a:spcPct val="90000"/>
         </a:lnSpc>
         <a:spcBef>
-          <a:spcPts val="500"/>
+          <a:spcPts val="200"/>
         </a:spcBef>
-        <a:buFont typeface="Arial" panose="020B0604020202020204" pitchFamily="34" charset="0"/>
+        <a:spcAft>
+          <a:spcPts val="400"/>
+        </a:spcAft>
+        <a:buClr>
+          <a:schemeClr val="accent1"/>
+        </a:buClr>
+        <a:buSzPct val="80000"/>
+        <a:buFont typeface="Corbel" pitchFamily="34" charset="0"/>
         <a:buChar char="•"/>
-        <a:defRPr sz="2000" kern="1200">
+        <a:defRPr sz="1800" kern="1200">
           <a:solidFill>
-            <a:schemeClr val="tx1"/>
+            <a:schemeClr val="accent1"/>
           </a:solidFill>
           <a:latin typeface="+mn-lt"/>
           <a:ea typeface="+mn-ea"/>
           <a:cs typeface="+mn-cs"/>
         </a:defRPr>
       </a:lvl3pPr>
-      <a:lvl4pPr marL="1600200" indent="-228600" algn="l" defTabSz="914400" rtl="0" eaLnBrk="1" latinLnBrk="0" hangingPunct="1">
+      <a:lvl4pPr marL="1005840" indent="-182880" algn="l" defTabSz="914400" rtl="0" eaLnBrk="1" latinLnBrk="0" hangingPunct="1">
         <a:lnSpc>
           <a:spcPct val="90000"/>
         </a:lnSpc>
         <a:spcBef>
-          <a:spcPts val="500"/>
+          <a:spcPts val="200"/>
         </a:spcBef>
-        <a:buFont typeface="Arial" panose="020B0604020202020204" pitchFamily="34" charset="0"/>
+        <a:spcAft>
+          <a:spcPts val="400"/>
+        </a:spcAft>
+        <a:buClr>
+          <a:schemeClr val="accent1"/>
+        </a:buClr>
+        <a:buSzPct val="80000"/>
+        <a:buFont typeface="Corbel" pitchFamily="34" charset="0"/>
         <a:buChar char="•"/>
-        <a:defRPr sz="1800" kern="1200">
+        <a:defRPr sz="1600" kern="1200">
           <a:solidFill>
-            <a:schemeClr val="tx1"/>
+            <a:schemeClr val="accent1"/>
           </a:solidFill>
           <a:latin typeface="+mn-lt"/>
           <a:ea typeface="+mn-ea"/>
           <a:cs typeface="+mn-cs"/>
         </a:defRPr>
       </a:lvl4pPr>
-      <a:lvl5pPr marL="2057400" indent="-228600" algn="l" defTabSz="914400" rtl="0" eaLnBrk="1" latinLnBrk="0" hangingPunct="1">
+      <a:lvl5pPr marL="1280160" indent="-182880" algn="l" defTabSz="914400" rtl="0" eaLnBrk="1" latinLnBrk="0" hangingPunct="1">
         <a:lnSpc>
           <a:spcPct val="90000"/>
         </a:lnSpc>
         <a:spcBef>
-          <a:spcPts val="500"/>
+          <a:spcPts val="200"/>
         </a:spcBef>
-        <a:buFont typeface="Arial" panose="020B0604020202020204" pitchFamily="34" charset="0"/>
+        <a:spcAft>
+          <a:spcPts val="400"/>
+        </a:spcAft>
+        <a:buClr>
+          <a:schemeClr val="accent1"/>
+        </a:buClr>
+        <a:buSzPct val="80000"/>
+        <a:buFont typeface="Corbel" pitchFamily="34" charset="0"/>
         <a:buChar char="•"/>
-        <a:defRPr sz="1800" kern="1200">
+        <a:defRPr sz="1600" kern="1200">
           <a:solidFill>
-            <a:schemeClr val="tx1"/>
+            <a:schemeClr val="accent1"/>
           </a:solidFill>
           <a:latin typeface="+mn-lt"/>
           <a:ea typeface="+mn-ea"/>
           <a:cs typeface="+mn-cs"/>
         </a:defRPr>
       </a:lvl5pPr>
-      <a:lvl6pPr marL="2514600" indent="-228600" algn="l" defTabSz="914400" rtl="0" eaLnBrk="1" latinLnBrk="0" hangingPunct="1">
+      <a:lvl6pPr marL="1600000" indent="-228600" algn="l" defTabSz="914400" rtl="0" eaLnBrk="1" latinLnBrk="0" hangingPunct="1">
         <a:lnSpc>
           <a:spcPct val="90000"/>
         </a:lnSpc>
         <a:spcBef>
-          <a:spcPts val="500"/>
+          <a:spcPts val="200"/>
         </a:spcBef>
-        <a:buFont typeface="Arial" panose="020B0604020202020204" pitchFamily="34" charset="0"/>
+        <a:spcAft>
+          <a:spcPts val="400"/>
+        </a:spcAft>
+        <a:buClr>
+          <a:schemeClr val="accent1"/>
+        </a:buClr>
+        <a:buSzPct val="80000"/>
+        <a:buFont typeface="Corbel" pitchFamily="34" charset="0"/>
         <a:buChar char="•"/>
-        <a:defRPr sz="1800" kern="1200">
+        <a:defRPr sz="1600" kern="1200">
           <a:solidFill>
-            <a:schemeClr val="tx1"/>
+            <a:schemeClr val="accent1"/>
           </a:solidFill>
           <a:latin typeface="+mn-lt"/>
           <a:ea typeface="+mn-ea"/>
           <a:cs typeface="+mn-cs"/>
         </a:defRPr>
       </a:lvl6pPr>
-      <a:lvl7pPr marL="2971800" indent="-228600" algn="l" defTabSz="914400" rtl="0" eaLnBrk="1" latinLnBrk="0" hangingPunct="1">
+      <a:lvl7pPr marL="1900000" indent="-228600" algn="l" defTabSz="914400" rtl="0" eaLnBrk="1" latinLnBrk="0" hangingPunct="1">
         <a:lnSpc>
           <a:spcPct val="90000"/>
         </a:lnSpc>
         <a:spcBef>
-          <a:spcPts val="500"/>
+          <a:spcPts val="200"/>
         </a:spcBef>
-        <a:buFont typeface="Arial" panose="020B0604020202020204" pitchFamily="34" charset="0"/>
+        <a:spcAft>
+          <a:spcPts val="400"/>
+        </a:spcAft>
+        <a:buClr>
+          <a:schemeClr val="accent1"/>
+        </a:buClr>
+        <a:buSzPct val="80000"/>
+        <a:buFont typeface="Corbel" pitchFamily="34" charset="0"/>
         <a:buChar char="•"/>
-        <a:defRPr sz="1800" kern="1200">
+        <a:defRPr sz="1600" kern="1200">
           <a:solidFill>
-            <a:schemeClr val="tx1"/>
+            <a:schemeClr val="accent1"/>
           </a:solidFill>
           <a:latin typeface="+mn-lt"/>
           <a:ea typeface="+mn-ea"/>
           <a:cs typeface="+mn-cs"/>
         </a:defRPr>
       </a:lvl7pPr>
-      <a:lvl8pPr marL="3429000" indent="-228600" algn="l" defTabSz="914400" rtl="0" eaLnBrk="1" latinLnBrk="0" hangingPunct="1">
+      <a:lvl8pPr marL="2200000" indent="-228600" algn="l" defTabSz="914400" rtl="0" eaLnBrk="1" latinLnBrk="0" hangingPunct="1">
         <a:lnSpc>
           <a:spcPct val="90000"/>
         </a:lnSpc>
         <a:spcBef>
-          <a:spcPts val="500"/>
+          <a:spcPts val="200"/>
         </a:spcBef>
-        <a:buFont typeface="Arial" panose="020B0604020202020204" pitchFamily="34" charset="0"/>
+        <a:spcAft>
+          <a:spcPts val="400"/>
+        </a:spcAft>
+        <a:buClr>
+          <a:schemeClr val="accent1"/>
+        </a:buClr>
+        <a:buSzPct val="80000"/>
+        <a:buFont typeface="Corbel" pitchFamily="34" charset="0"/>
         <a:buChar char="•"/>
-        <a:defRPr sz="1800" kern="1200">
+        <a:defRPr sz="1600" kern="1200">
           <a:solidFill>
-            <a:schemeClr val="tx1"/>
+            <a:schemeClr val="accent1"/>
           </a:solidFill>
           <a:latin typeface="+mn-lt"/>
           <a:ea typeface="+mn-ea"/>
           <a:cs typeface="+mn-cs"/>
         </a:defRPr>
       </a:lvl8pPr>
-      <a:lvl9pPr marL="3886200" indent="-228600" algn="l" defTabSz="914400" rtl="0" eaLnBrk="1" latinLnBrk="0" hangingPunct="1">
+      <a:lvl9pPr marL="2500000" indent="-228600" algn="l" defTabSz="914400" rtl="0" eaLnBrk="1" latinLnBrk="0" hangingPunct="1">
         <a:lnSpc>
           <a:spcPct val="90000"/>
         </a:lnSpc>
         <a:spcBef>
-          <a:spcPts val="500"/>
+          <a:spcPts val="200"/>
         </a:spcBef>
-        <a:buFont typeface="Arial" panose="020B0604020202020204" pitchFamily="34" charset="0"/>
+        <a:spcAft>
+          <a:spcPts val="400"/>
+        </a:spcAft>
+        <a:buClr>
+          <a:schemeClr val="accent1"/>
+        </a:buClr>
+        <a:buSzPct val="80000"/>
+        <a:buFont typeface="Corbel" pitchFamily="34" charset="0"/>
         <a:buChar char="•"/>
-        <a:defRPr sz="1800" kern="1200">
+        <a:defRPr sz="1600" kern="1200">
           <a:solidFill>
-            <a:schemeClr val="tx1"/>
+            <a:schemeClr val="accent1"/>
           </a:solidFill>
           <a:latin typeface="+mn-lt"/>
           <a:ea typeface="+mn-ea"/>
@@ -26915,14 +27154,14 @@
               <a:buChar char="•"/>
             </a:pPr>
             <a:r>
-              <a:rPr lang="en-US" sz="1400" b="1" dirty="0">
+              <a:rPr lang="en-US" sz="1600" b="1" dirty="0">
                 <a:solidFill>
                   <a:srgbClr val="002060"/>
                 </a:solidFill>
               </a:rPr>
               <a:t>Architecture:</a:t>
             </a:r>
-            <a:endParaRPr lang="en-US" sz="1400" dirty="0">
+            <a:endParaRPr lang="en-US" sz="1600" dirty="0">
               <a:solidFill>
                 <a:srgbClr val="002060"/>
               </a:solidFill>
@@ -26934,7 +27173,7 @@
               <a:buChar char="•"/>
             </a:pPr>
             <a:r>
-              <a:rPr lang="en-US" sz="1400" dirty="0">
+              <a:rPr lang="en-US" sz="1600" dirty="0">
                 <a:solidFill>
                   <a:srgbClr val="002060"/>
                 </a:solidFill>
@@ -26947,14 +27186,11 @@
               <a:buFont typeface="Arial" panose="020B0604020202020204" pitchFamily="34" charset="0"/>
               <a:buChar char="•"/>
             </a:pPr>
-            <a:r>
-              <a:rPr lang="en-US" sz="1400" dirty="0">
-                <a:solidFill>
-                  <a:srgbClr val="002060"/>
-                </a:solidFill>
-              </a:rPr>
-              <a:t>Frontend-backend separation.</a:t>
-            </a:r>
+            <a:endParaRPr lang="en-US" sz="1600" dirty="0">
+              <a:solidFill>
+                <a:srgbClr val="002060"/>
+              </a:solidFill>
+            </a:endParaRPr>
           </a:p>
           <a:p>
             <a:pPr>
@@ -26962,14 +27198,14 @@
               <a:buChar char="•"/>
             </a:pPr>
             <a:r>
-              <a:rPr lang="en-US" sz="1400" b="1" dirty="0">
+              <a:rPr lang="en-US" sz="1600" b="1" dirty="0">
                 <a:solidFill>
                   <a:srgbClr val="002060"/>
                 </a:solidFill>
               </a:rPr>
               <a:t>Frontend:</a:t>
             </a:r>
-            <a:endParaRPr lang="en-US" sz="1400" dirty="0">
+            <a:endParaRPr lang="en-US" sz="1600" dirty="0">
               <a:solidFill>
                 <a:srgbClr val="002060"/>
               </a:solidFill>
@@ -26981,7 +27217,7 @@
               <a:buChar char="•"/>
             </a:pPr>
             <a:r>
-              <a:rPr lang="en-US" sz="1400" dirty="0">
+              <a:rPr lang="en-US" sz="1600" dirty="0">
                 <a:solidFill>
                   <a:srgbClr val="002060"/>
                 </a:solidFill>
@@ -26995,7 +27231,7 @@
               <a:buChar char="•"/>
             </a:pPr>
             <a:r>
-              <a:rPr lang="en-US" sz="1400" dirty="0">
+              <a:rPr lang="en-US" sz="1600" dirty="0">
                 <a:solidFill>
                   <a:srgbClr val="002060"/>
                 </a:solidFill>
@@ -27009,14 +27245,14 @@
               <a:buChar char="•"/>
             </a:pPr>
             <a:r>
-              <a:rPr lang="en-US" sz="1400" b="1" dirty="0">
+              <a:rPr lang="en-US" sz="1600" b="1" dirty="0">
                 <a:solidFill>
                   <a:srgbClr val="002060"/>
                 </a:solidFill>
               </a:rPr>
               <a:t>Backend (Future):</a:t>
             </a:r>
-            <a:endParaRPr lang="en-US" sz="1400" dirty="0">
+            <a:endParaRPr lang="en-US" sz="1600" dirty="0">
               <a:solidFill>
                 <a:srgbClr val="002060"/>
               </a:solidFill>
@@ -27028,12 +27264,12 @@
               <a:buChar char="•"/>
             </a:pPr>
             <a:r>
-              <a:rPr lang="en-US" sz="1400" dirty="0">
+              <a:rPr lang="en-US" sz="1600" dirty="0">
                 <a:solidFill>
                   <a:srgbClr val="002060"/>
                 </a:solidFill>
               </a:rPr>
-              <a:t>The program appears to be primarily a frontend web application that relies on client-side technologies.</a:t>
+              <a:t>The program is  primarily a frontend web application that relies on client-side technologies.</a:t>
             </a:r>
           </a:p>
           <a:p>
@@ -27042,14 +27278,14 @@
               <a:buChar char="•"/>
             </a:pPr>
             <a:r>
-              <a:rPr lang="en-US" sz="1400" b="1" dirty="0">
+              <a:rPr lang="en-US" sz="1600" b="1" dirty="0">
                 <a:solidFill>
                   <a:srgbClr val="002060"/>
                 </a:solidFill>
               </a:rPr>
               <a:t>User Interface:</a:t>
             </a:r>
-            <a:endParaRPr lang="en-US" sz="1400" dirty="0">
+            <a:endParaRPr lang="en-US" sz="1600" dirty="0">
               <a:solidFill>
                 <a:srgbClr val="002060"/>
               </a:solidFill>
@@ -27061,7 +27297,7 @@
               <a:buChar char="•"/>
             </a:pPr>
             <a:r>
-              <a:rPr lang="en-US" sz="1400" dirty="0">
+              <a:rPr lang="en-US" sz="1600" dirty="0">
                 <a:solidFill>
                   <a:srgbClr val="002060"/>
                 </a:solidFill>
@@ -27075,7 +27311,7 @@
               <a:buChar char="•"/>
             </a:pPr>
             <a:r>
-              <a:rPr lang="en-US" sz="1400" dirty="0">
+              <a:rPr lang="en-US" sz="1600" dirty="0">
                 <a:solidFill>
                   <a:srgbClr val="002060"/>
                 </a:solidFill>
@@ -27089,14 +27325,14 @@
               <a:buChar char="•"/>
             </a:pPr>
             <a:r>
-              <a:rPr lang="en-US" sz="1400" b="1" dirty="0">
+              <a:rPr lang="en-US" sz="1600" b="1" dirty="0">
                 <a:solidFill>
                   <a:srgbClr val="002060"/>
                 </a:solidFill>
               </a:rPr>
               <a:t>Scalability:</a:t>
             </a:r>
-            <a:endParaRPr lang="en-US" sz="1400" dirty="0">
+            <a:endParaRPr lang="en-US" sz="1600" dirty="0">
               <a:solidFill>
                 <a:srgbClr val="002060"/>
               </a:solidFill>
@@ -27108,7 +27344,7 @@
               <a:buChar char="•"/>
             </a:pPr>
             <a:r>
-              <a:rPr lang="en-US" sz="1400" dirty="0">
+              <a:rPr lang="en-US" sz="1600" dirty="0">
                 <a:solidFill>
                   <a:srgbClr val="002060"/>
                 </a:solidFill>
@@ -27122,7 +27358,7 @@
               <a:buChar char="•"/>
             </a:pPr>
             <a:r>
-              <a:rPr lang="en-US" sz="1400" dirty="0">
+              <a:rPr lang="en-US" sz="1600" dirty="0">
                 <a:solidFill>
                   <a:srgbClr val="002060"/>
                 </a:solidFill>
@@ -27525,6 +27761,28 @@
             </a:r>
           </a:p>
           <a:p>
+            <a:pPr marL="742950" lvl="1" indent="-285750">
+              <a:buFont typeface="Arial" panose="020B0604020202020204" pitchFamily="34" charset="0"/>
+              <a:buChar char="•"/>
+            </a:pPr>
+            <a:r>
+              <a:rPr lang="en-US" sz="1600" b="1" dirty="0">
+                <a:solidFill>
+                  <a:srgbClr val="002060"/>
+                </a:solidFill>
+              </a:rPr>
+              <a:t>Sweet alerts</a:t>
+            </a:r>
+            <a:r>
+              <a:rPr lang="en-US" sz="1600" dirty="0">
+                <a:solidFill>
+                  <a:srgbClr val="002060"/>
+                </a:solidFill>
+              </a:rPr>
+              <a:t> integration </a:t>
+            </a:r>
+          </a:p>
+          <a:p>
             <a:pPr algn="l">
               <a:buFont typeface="Arial" panose="020B0604020202020204" pitchFamily="34" charset="0"/>
               <a:buChar char="•"/>
@@ -27760,10 +28018,18 @@
           <a:lstStyle/>
           <a:p>
             <a:r>
-              <a:rPr lang="en-US" b="1" dirty="0"/>
+              <a:rPr lang="en-US" b="1" dirty="0">
+                <a:solidFill>
+                  <a:schemeClr val="tx1"/>
+                </a:solidFill>
+              </a:rPr>
               <a:t>Challenges Faced</a:t>
             </a:r>
-            <a:endParaRPr lang="en-US" dirty="0"/>
+            <a:endParaRPr lang="en-US" dirty="0">
+              <a:solidFill>
+                <a:schemeClr val="tx1"/>
+              </a:solidFill>
+            </a:endParaRPr>
           </a:p>
         </p:txBody>
       </p:sp>
@@ -27851,15 +28117,27 @@
               <a:buChar char="•"/>
             </a:pPr>
             <a:r>
-              <a:rPr lang="en-US" dirty="0"/>
+              <a:rPr lang="en-US" dirty="0">
+                <a:solidFill>
+                  <a:schemeClr val="tx1"/>
+                </a:solidFill>
+              </a:rPr>
               <a:t>Of course, no project is without its challenges. </a:t>
             </a:r>
             <a:r>
-              <a:rPr lang="en-US" dirty="0" err="1"/>
+              <a:rPr lang="en-US" dirty="0" err="1">
+                <a:solidFill>
+                  <a:schemeClr val="tx1"/>
+                </a:solidFill>
+              </a:rPr>
               <a:t>i</a:t>
             </a:r>
             <a:r>
-              <a:rPr lang="en-US" dirty="0"/>
+              <a:rPr lang="en-US" dirty="0">
+                <a:solidFill>
+                  <a:schemeClr val="tx1"/>
+                </a:solidFill>
+              </a:rPr>
               <a:t> faced a few hurdles, including: Ensuring cross-browser compatibility.</a:t>
             </a:r>
           </a:p>
@@ -27869,7 +28147,11 @@
               <a:buChar char="•"/>
             </a:pPr>
             <a:r>
-              <a:rPr lang="en-US" dirty="0"/>
+              <a:rPr lang="en-US" dirty="0">
+                <a:solidFill>
+                  <a:schemeClr val="tx1"/>
+                </a:solidFill>
+              </a:rPr>
               <a:t>Managing time to finish the project due to work</a:t>
             </a:r>
           </a:p>
@@ -27879,15 +28161,27 @@
               <a:buChar char="•"/>
             </a:pPr>
             <a:r>
-              <a:rPr lang="en-US" dirty="0"/>
+              <a:rPr lang="en-US" dirty="0">
+                <a:solidFill>
+                  <a:schemeClr val="tx1"/>
+                </a:solidFill>
+              </a:rPr>
               <a:t>Managing the </a:t>
             </a:r>
             <a:r>
-              <a:rPr lang="en-US" dirty="0" err="1"/>
+              <a:rPr lang="en-US" dirty="0" err="1">
+                <a:solidFill>
+                  <a:schemeClr val="tx1"/>
+                </a:solidFill>
+              </a:rPr>
               <a:t>the</a:t>
             </a:r>
             <a:r>
-              <a:rPr lang="en-US" dirty="0"/>
+              <a:rPr lang="en-US" dirty="0">
+                <a:solidFill>
+                  <a:schemeClr val="tx1"/>
+                </a:solidFill>
+              </a:rPr>
               <a:t> scoreboard.</a:t>
             </a:r>
           </a:p>
@@ -27897,7 +28191,11 @@
               <a:buChar char="•"/>
             </a:pPr>
             <a:r>
-              <a:rPr lang="en-US" dirty="0"/>
+              <a:rPr lang="en-US" dirty="0">
+                <a:solidFill>
+                  <a:schemeClr val="tx1"/>
+                </a:solidFill>
+              </a:rPr>
               <a:t>Implementing data persistence for high scores.</a:t>
             </a:r>
           </a:p>
@@ -28228,110 +28526,58 @@
 </file>
 
 <file path=ppt/theme/theme1.xml><?xml version="1.0" encoding="utf-8"?>
-<a:theme xmlns:a="http://schemas.openxmlformats.org/drawingml/2006/main" name="Office Theme">
+<a:theme xmlns:a="http://schemas.openxmlformats.org/drawingml/2006/main" name="Basis">
   <a:themeElements>
-    <a:clrScheme name="Office">
+    <a:clrScheme name="Basis">
       <a:dk1>
-        <a:sysClr val="windowText" lastClr="000000"/>
+        <a:srgbClr val="000000"/>
       </a:dk1>
       <a:lt1>
-        <a:sysClr val="window" lastClr="FFFFFF"/>
+        <a:srgbClr val="FFFFFF"/>
       </a:lt1>
       <a:dk2>
-        <a:srgbClr val="44546A"/>
+        <a:srgbClr val="565349"/>
       </a:dk2>
       <a:lt2>
-        <a:srgbClr val="E7E6E6"/>
+        <a:srgbClr val="DDDDDD"/>
       </a:lt2>
       <a:accent1>
-        <a:srgbClr val="4472C4"/>
+        <a:srgbClr val="A6B727"/>
       </a:accent1>
       <a:accent2>
-        <a:srgbClr val="ED7D31"/>
+        <a:srgbClr val="DF5327"/>
       </a:accent2>
       <a:accent3>
-        <a:srgbClr val="A5A5A5"/>
+        <a:srgbClr val="FE9E00"/>
       </a:accent3>
       <a:accent4>
-        <a:srgbClr val="FFC000"/>
+        <a:srgbClr val="418AB3"/>
       </a:accent4>
       <a:accent5>
-        <a:srgbClr val="5B9BD5"/>
+        <a:srgbClr val="D7D447"/>
       </a:accent5>
       <a:accent6>
-        <a:srgbClr val="70AD47"/>
+        <a:srgbClr val="818183"/>
       </a:accent6>
       <a:hlink>
-        <a:srgbClr val="0563C1"/>
+        <a:srgbClr val="F59E00"/>
       </a:hlink>
       <a:folHlink>
-        <a:srgbClr val="954F72"/>
+        <a:srgbClr val="B2B2B2"/>
       </a:folHlink>
     </a:clrScheme>
-    <a:fontScheme name="Office">
+    <a:fontScheme name="Basis">
       <a:majorFont>
-        <a:latin typeface="Calibri Light" panose="020F0302020204030204"/>
+        <a:latin typeface="Corbel" panose="020B0503020204020204"/>
         <a:ea typeface=""/>
         <a:cs typeface=""/>
-        <a:font script="Jpan" typeface="游ゴシック Light"/>
+        <a:font script="Jpan" typeface="ＭＳ ゴシック"/>
         <a:font script="Hang" typeface="맑은 고딕"/>
-        <a:font script="Hans" typeface="等线 Light"/>
+        <a:font script="Hans" typeface="宋体"/>
         <a:font script="Hant" typeface="新細明體"/>
-        <a:font script="Arab" typeface="Times New Roman"/>
-        <a:font script="Hebr" typeface="Times New Roman"/>
-        <a:font script="Thai" typeface="Angsana New"/>
-        <a:font script="Ethi" typeface="Nyala"/>
-        <a:font script="Beng" typeface="Vrinda"/>
-        <a:font script="Gujr" typeface="Shruti"/>
-        <a:font script="Khmr" typeface="MoolBoran"/>
-        <a:font script="Knda" typeface="Tunga"/>
-        <a:font script="Guru" typeface="Raavi"/>
-        <a:font script="Cans" typeface="Euphemia"/>
-        <a:font script="Cher" typeface="Plantagenet Cherokee"/>
-        <a:font script="Yiii" typeface="Microsoft Yi Baiti"/>
-        <a:font script="Tibt" typeface="Microsoft Himalaya"/>
-        <a:font script="Thaa" typeface="MV Boli"/>
-        <a:font script="Deva" typeface="Mangal"/>
-        <a:font script="Telu" typeface="Gautami"/>
-        <a:font script="Taml" typeface="Latha"/>
-        <a:font script="Syrc" typeface="Estrangelo Edessa"/>
-        <a:font script="Orya" typeface="Kalinga"/>
-        <a:font script="Mlym" typeface="Kartika"/>
-        <a:font script="Laoo" typeface="DokChampa"/>
-        <a:font script="Sinh" typeface="Iskoola Pota"/>
-        <a:font script="Mong" typeface="Mongolian Baiti"/>
-        <a:font script="Viet" typeface="Times New Roman"/>
-        <a:font script="Uigh" typeface="Microsoft Uighur"/>
-        <a:font script="Geor" typeface="Sylfaen"/>
-        <a:font script="Armn" typeface="Arial"/>
-        <a:font script="Bugi" typeface="Leelawadee UI"/>
-        <a:font script="Bopo" typeface="Microsoft JhengHei"/>
-        <a:font script="Java" typeface="Javanese Text"/>
-        <a:font script="Lisu" typeface="Segoe UI"/>
-        <a:font script="Mymr" typeface="Myanmar Text"/>
-        <a:font script="Nkoo" typeface="Ebrima"/>
-        <a:font script="Olck" typeface="Nirmala UI"/>
-        <a:font script="Osma" typeface="Ebrima"/>
-        <a:font script="Phag" typeface="Phagspa"/>
-        <a:font script="Syrn" typeface="Estrangelo Edessa"/>
-        <a:font script="Syrj" typeface="Estrangelo Edessa"/>
-        <a:font script="Syre" typeface="Estrangelo Edessa"/>
-        <a:font script="Sora" typeface="Nirmala UI"/>
-        <a:font script="Tale" typeface="Microsoft Tai Le"/>
-        <a:font script="Talu" typeface="Microsoft New Tai Lue"/>
-        <a:font script="Tfng" typeface="Ebrima"/>
-      </a:majorFont>
-      <a:minorFont>
-        <a:latin typeface="Calibri" panose="020F0502020204030204"/>
-        <a:ea typeface=""/>
-        <a:cs typeface=""/>
-        <a:font script="Jpan" typeface="游ゴシック"/>
-        <a:font script="Hang" typeface="맑은 고딕"/>
-        <a:font script="Hans" typeface="等线"/>
-        <a:font script="Hant" typeface="新細明體"/>
-        <a:font script="Arab" typeface="Arial"/>
-        <a:font script="Hebr" typeface="Arial"/>
-        <a:font script="Thai" typeface="Cordia New"/>
+        <a:font script="Arab" typeface="Tahoma"/>
+        <a:font script="Hebr" typeface="Gisha"/>
+        <a:font script="Thai" typeface="DilleniaUPC"/>
         <a:font script="Ethi" typeface="Nyala"/>
         <a:font script="Beng" typeface="Vrinda"/>
         <a:font script="Gujr" typeface="Shruti"/>
@@ -28352,107 +28598,98 @@
         <a:font script="Laoo" typeface="DokChampa"/>
         <a:font script="Sinh" typeface="Iskoola Pota"/>
         <a:font script="Mong" typeface="Mongolian Baiti"/>
-        <a:font script="Viet" typeface="Arial"/>
+        <a:font script="Viet" typeface="Tahoma"/>
         <a:font script="Uigh" typeface="Microsoft Uighur"/>
         <a:font script="Geor" typeface="Sylfaen"/>
-        <a:font script="Armn" typeface="Arial"/>
-        <a:font script="Bugi" typeface="Leelawadee UI"/>
-        <a:font script="Bopo" typeface="Microsoft JhengHei"/>
-        <a:font script="Java" typeface="Javanese Text"/>
-        <a:font script="Lisu" typeface="Segoe UI"/>
-        <a:font script="Mymr" typeface="Myanmar Text"/>
-        <a:font script="Nkoo" typeface="Ebrima"/>
-        <a:font script="Olck" typeface="Nirmala UI"/>
-        <a:font script="Osma" typeface="Ebrima"/>
-        <a:font script="Phag" typeface="Phagspa"/>
-        <a:font script="Syrn" typeface="Estrangelo Edessa"/>
-        <a:font script="Syrj" typeface="Estrangelo Edessa"/>
-        <a:font script="Syre" typeface="Estrangelo Edessa"/>
-        <a:font script="Sora" typeface="Nirmala UI"/>
-        <a:font script="Tale" typeface="Microsoft Tai Le"/>
-        <a:font script="Talu" typeface="Microsoft New Tai Lue"/>
-        <a:font script="Tfng" typeface="Ebrima"/>
+      </a:majorFont>
+      <a:minorFont>
+        <a:latin typeface="Corbel" panose="020B0503020204020204"/>
+        <a:ea typeface=""/>
+        <a:cs typeface=""/>
+        <a:font script="Jpan" typeface="ＭＳ ゴシック"/>
+        <a:font script="Hang" typeface="맑은 고딕"/>
+        <a:font script="Hans" typeface="宋体"/>
+        <a:font script="Hant" typeface="新細明體"/>
+        <a:font script="Arab" typeface="Tahoma"/>
+        <a:font script="Hebr" typeface="Gisha"/>
+        <a:font script="Thai" typeface="DilleniaUPC"/>
+        <a:font script="Ethi" typeface="Nyala"/>
+        <a:font script="Beng" typeface="Vrinda"/>
+        <a:font script="Gujr" typeface="Shruti"/>
+        <a:font script="Khmr" typeface="DaunPenh"/>
+        <a:font script="Knda" typeface="Tunga"/>
+        <a:font script="Guru" typeface="Raavi"/>
+        <a:font script="Cans" typeface="Euphemia"/>
+        <a:font script="Cher" typeface="Plantagenet Cherokee"/>
+        <a:font script="Yiii" typeface="Microsoft Yi Baiti"/>
+        <a:font script="Tibt" typeface="Microsoft Himalaya"/>
+        <a:font script="Thaa" typeface="MV Boli"/>
+        <a:font script="Deva" typeface="Mangal"/>
+        <a:font script="Telu" typeface="Gautami"/>
+        <a:font script="Taml" typeface="Latha"/>
+        <a:font script="Syrc" typeface="Estrangelo Edessa"/>
+        <a:font script="Orya" typeface="Kalinga"/>
+        <a:font script="Mlym" typeface="Kartika"/>
+        <a:font script="Laoo" typeface="DokChampa"/>
+        <a:font script="Sinh" typeface="Iskoola Pota"/>
+        <a:font script="Mong" typeface="Mongolian Baiti"/>
+        <a:font script="Viet" typeface="Verdana"/>
+        <a:font script="Uigh" typeface="Microsoft Uighur"/>
+        <a:font script="Geor" typeface="Sylfaen"/>
       </a:minorFont>
     </a:fontScheme>
-    <a:fmtScheme name="Office">
+    <a:fmtScheme name="Basis">
       <a:fillStyleLst>
         <a:solidFill>
           <a:schemeClr val="phClr"/>
         </a:solidFill>
+        <a:solidFill>
+          <a:schemeClr val="phClr">
+            <a:tint val="55000"/>
+            <a:satMod val="130000"/>
+          </a:schemeClr>
+        </a:solidFill>
         <a:gradFill rotWithShape="1">
           <a:gsLst>
             <a:gs pos="0">
+              <a:schemeClr val="phClr"/>
+            </a:gs>
+            <a:gs pos="90000">
               <a:schemeClr val="phClr">
-                <a:lumMod val="110000"/>
+                <a:shade val="100000"/>
                 <a:satMod val="105000"/>
-                <a:tint val="67000"/>
-              </a:schemeClr>
-            </a:gs>
-            <a:gs pos="50000">
-              <a:schemeClr val="phClr">
-                <a:lumMod val="105000"/>
-                <a:satMod val="103000"/>
-                <a:tint val="73000"/>
               </a:schemeClr>
             </a:gs>
             <a:gs pos="100000">
               <a:schemeClr val="phClr">
-                <a:lumMod val="105000"/>
-                <a:satMod val="109000"/>
-                <a:tint val="81000"/>
+                <a:shade val="80000"/>
+                <a:satMod val="120000"/>
               </a:schemeClr>
             </a:gs>
           </a:gsLst>
-          <a:lin ang="5400000" scaled="0"/>
-        </a:gradFill>
-        <a:gradFill rotWithShape="1">
-          <a:gsLst>
-            <a:gs pos="0">
-              <a:schemeClr val="phClr">
-                <a:satMod val="103000"/>
-                <a:lumMod val="102000"/>
-                <a:tint val="94000"/>
-              </a:schemeClr>
-            </a:gs>
-            <a:gs pos="50000">
-              <a:schemeClr val="phClr">
-                <a:satMod val="110000"/>
-                <a:lumMod val="100000"/>
-                <a:shade val="100000"/>
-              </a:schemeClr>
-            </a:gs>
-            <a:gs pos="100000">
-              <a:schemeClr val="phClr">
-                <a:lumMod val="99000"/>
-                <a:satMod val="120000"/>
-                <a:shade val="78000"/>
-              </a:schemeClr>
-            </a:gs>
-          </a:gsLst>
-          <a:lin ang="5400000" scaled="0"/>
+          <a:path path="circle">
+            <a:fillToRect l="100000" t="100000" r="100000" b="100000"/>
+          </a:path>
         </a:gradFill>
       </a:fillStyleLst>
       <a:lnStyleLst>
-        <a:ln w="6350" cap="flat" cmpd="sng" algn="ctr">
+        <a:ln w="10000" cap="flat" cmpd="sng" algn="ctr">
           <a:solidFill>
             <a:schemeClr val="phClr"/>
           </a:solidFill>
           <a:prstDash val="solid"/>
-          <a:miter lim="800000"/>
-        </a:ln>
-        <a:ln w="12700" cap="flat" cmpd="sng" algn="ctr">
-          <a:solidFill>
-            <a:schemeClr val="phClr"/>
-          </a:solidFill>
-          <a:prstDash val="solid"/>
-          <a:miter lim="800000"/>
         </a:ln>
         <a:ln w="19050" cap="flat" cmpd="sng" algn="ctr">
           <a:solidFill>
             <a:schemeClr val="phClr"/>
           </a:solidFill>
           <a:prstDash val="solid"/>
-          <a:miter lim="800000"/>
+        </a:ln>
+        <a:ln w="53975" cap="flat" cmpd="dbl" algn="ctr">
+          <a:solidFill>
+            <a:schemeClr val="phClr"/>
+          </a:solidFill>
+          <a:prstDash val="solid"/>
         </a:ln>
       </a:lnStyleLst>
       <a:effectStyleLst>
@@ -28460,16 +28697,37 @@
           <a:effectLst/>
         </a:effectStyle>
         <a:effectStyle>
-          <a:effectLst/>
+          <a:effectLst>
+            <a:outerShdw blurRad="38100" dist="25400" dir="5400000" rotWithShape="0">
+              <a:srgbClr val="000000">
+                <a:alpha val="45000"/>
+              </a:srgbClr>
+            </a:outerShdw>
+          </a:effectLst>
         </a:effectStyle>
         <a:effectStyle>
           <a:effectLst>
-            <a:outerShdw blurRad="57150" dist="19050" dir="5400000" algn="ctr" rotWithShape="0">
+            <a:outerShdw blurRad="38100" dist="25400" dir="5400000" rotWithShape="0">
               <a:srgbClr val="000000">
-                <a:alpha val="63000"/>
+                <a:alpha val="45000"/>
               </a:srgbClr>
             </a:outerShdw>
           </a:effectLst>
+          <a:scene3d>
+            <a:camera prst="orthographicFront">
+              <a:rot lat="0" lon="0" rev="0"/>
+            </a:camera>
+            <a:lightRig rig="brightRoom" dir="t"/>
+          </a:scene3d>
+          <a:sp3d extrusionH="12700" contourW="25400" prstMaterial="flat">
+            <a:bevelT w="63500" h="152400" prst="angle"/>
+            <a:contourClr>
+              <a:schemeClr val="phClr">
+                <a:shade val="27000"/>
+                <a:satMod val="120000"/>
+              </a:schemeClr>
+            </a:contourClr>
+          </a:sp3d>
         </a:effectStyle>
       </a:effectStyleLst>
       <a:bgFillStyleLst>
@@ -28479,36 +28737,18 @@
         <a:solidFill>
           <a:schemeClr val="phClr">
             <a:tint val="95000"/>
-            <a:satMod val="170000"/>
+            <a:shade val="95000"/>
+            <a:satMod val="140000"/>
           </a:schemeClr>
         </a:solidFill>
-        <a:gradFill rotWithShape="1">
-          <a:gsLst>
-            <a:gs pos="0">
-              <a:schemeClr val="phClr">
-                <a:tint val="93000"/>
-                <a:satMod val="150000"/>
-                <a:shade val="98000"/>
-                <a:lumMod val="102000"/>
-              </a:schemeClr>
-            </a:gs>
-            <a:gs pos="50000">
-              <a:schemeClr val="phClr">
-                <a:tint val="98000"/>
-                <a:satMod val="130000"/>
-                <a:shade val="90000"/>
-                <a:lumMod val="103000"/>
-              </a:schemeClr>
-            </a:gs>
-            <a:gs pos="100000">
-              <a:schemeClr val="phClr">
-                <a:shade val="63000"/>
-                <a:satMod val="120000"/>
-              </a:schemeClr>
-            </a:gs>
-          </a:gsLst>
-          <a:lin ang="5400000" scaled="0"/>
-        </a:gradFill>
+        <a:solidFill>
+          <a:schemeClr val="phClr">
+            <a:tint val="90000"/>
+            <a:shade val="85000"/>
+            <a:satMod val="160000"/>
+            <a:lumMod val="110000"/>
+          </a:schemeClr>
+        </a:solidFill>
       </a:bgFillStyleLst>
     </a:fmtScheme>
   </a:themeElements>
@@ -28516,7 +28756,7 @@
   <a:extraClrSchemeLst/>
   <a:extLst>
     <a:ext uri="{05A4C25C-085E-4340-85A3-A5531E510DB2}">
-      <thm15:themeFamily xmlns:thm15="http://schemas.microsoft.com/office/thememl/2012/main" name="Office Theme" id="{62F939B6-93AF-4DB8-9C6B-D6C7DFDC589F}" vid="{4A3C46E8-61CC-4603-A589-7422A47A8E4A}"/>
+      <thm15:themeFamily xmlns:thm15="http://schemas.microsoft.com/office/thememl/2012/main" name="Basis" id="{5665723A-49BA-4B57-8411-A56F8F207965}" vid="{90E45F77-AEFC-46EF-A7C1-5B338C297B02}"/>
     </a:ext>
   </a:extLst>
 </a:theme>
@@ -29113,15 +29353,6 @@
 </file>
 
 <file path=customXml/item1.xml><?xml version="1.0" encoding="utf-8"?>
-<?mso-contentType ?>
-<FormTemplates xmlns="http://schemas.microsoft.com/sharepoint/v3/contenttype/forms">
-  <Display>DocumentLibraryForm</Display>
-  <Edit>DocumentLibraryForm</Edit>
-  <New>DocumentLibraryForm</New>
-</FormTemplates>
-</file>
-
-<file path=customXml/item2.xml><?xml version="1.0" encoding="utf-8"?>
 <ct:contentTypeSchema xmlns:ct="http://schemas.microsoft.com/office/2006/metadata/contentType" xmlns:ma="http://schemas.microsoft.com/office/2006/metadata/properties/metaAttributes" ct:_="" ma:_="" ma:contentTypeName="Document" ma:contentTypeID="0x01010079F111ED35F8CC479449609E8A0923A6" ma:contentTypeVersion="28" ma:contentTypeDescription="Create a new document." ma:contentTypeScope="" ma:versionID="60f5a4f2d2b0abadcf532d48ebf9cb71">
   <xsd:schema xmlns:xsd="http://www.w3.org/2001/XMLSchema" xmlns:xs="http://www.w3.org/2001/XMLSchema" xmlns:p="http://schemas.microsoft.com/office/2006/metadata/properties" xmlns:ns1="http://schemas.microsoft.com/sharepoint/v3" xmlns:ns2="71af3243-3dd4-4a8d-8c0d-dd76da1f02a5" xmlns:ns3="16c05727-aa75-4e4a-9b5f-8a80a1165891" xmlns:ns4="230e9df3-be65-4c73-a93b-d1236ebd677e" targetNamespace="http://schemas.microsoft.com/office/2006/metadata/properties" ma:root="true" ma:fieldsID="7dd78129e6a1811f84807ad11c651531" ns1:_="" ns2:_="" ns3:_="" ns4:_="">
     <xsd:import namespace="http://schemas.microsoft.com/sharepoint/v3"/>
@@ -29433,6 +29664,15 @@
 </ct:contentTypeSchema>
 </file>
 
+<file path=customXml/item2.xml><?xml version="1.0" encoding="utf-8"?>
+<?mso-contentType ?>
+<FormTemplates xmlns="http://schemas.microsoft.com/sharepoint/v3/contenttype/forms">
+  <Display>DocumentLibraryForm</Display>
+  <Edit>DocumentLibraryForm</Edit>
+  <New>DocumentLibraryForm</New>
+</FormTemplates>
+</file>
+
 <file path=customXml/item3.xml><?xml version="1.0" encoding="utf-8"?>
 <p:properties xmlns:p="http://schemas.microsoft.com/office/2006/metadata/properties" xmlns:xsi="http://www.w3.org/2001/XMLSchema-instance" xmlns:pc="http://schemas.microsoft.com/office/infopath/2007/PartnerControls">
   <documentManagement>
@@ -29454,14 +29694,6 @@
 </file>
 
 <file path=customXml/itemProps1.xml><?xml version="1.0" encoding="utf-8"?>
-<ds:datastoreItem xmlns:ds="http://schemas.openxmlformats.org/officeDocument/2006/customXml" ds:itemID="{5117FA41-AE03-4A0A-A9B0-817CABD09473}">
-  <ds:schemaRefs>
-    <ds:schemaRef ds:uri="http://schemas.microsoft.com/sharepoint/v3/contenttype/forms"/>
-  </ds:schemaRefs>
-</ds:datastoreItem>
-</file>
-
-<file path=customXml/itemProps2.xml><?xml version="1.0" encoding="utf-8"?>
 <ds:datastoreItem xmlns:ds="http://schemas.openxmlformats.org/officeDocument/2006/customXml" ds:itemID="{52D6F65D-59DB-459C-812A-E954DE5F051F}">
   <ds:schemaRefs>
     <ds:schemaRef ds:uri="http://schemas.microsoft.com/office/2006/metadata/contentType"/>
@@ -29482,6 +29714,14 @@
 </ds:datastoreItem>
 </file>
 
+<file path=customXml/itemProps2.xml><?xml version="1.0" encoding="utf-8"?>
+<ds:datastoreItem xmlns:ds="http://schemas.openxmlformats.org/officeDocument/2006/customXml" ds:itemID="{5117FA41-AE03-4A0A-A9B0-817CABD09473}">
+  <ds:schemaRefs>
+    <ds:schemaRef ds:uri="http://schemas.microsoft.com/sharepoint/v3/contenttype/forms"/>
+  </ds:schemaRefs>
+</ds:datastoreItem>
+</file>
+
 <file path=customXml/itemProps3.xml><?xml version="1.0" encoding="utf-8"?>
 <ds:datastoreItem xmlns:ds="http://schemas.openxmlformats.org/officeDocument/2006/customXml" ds:itemID="{A4D542F6-3184-4387-BE39-8DA735EB5504}">
   <ds:schemaRefs>
